--- a/exam2/Exam 2 Questions.pptx
+++ b/exam2/Exam 2 Questions.pptx
@@ -5,7 +5,7 @@
     <p:sldMasterId id="2147483660" r:id="rId1"/>
   </p:sldMasterIdLst>
   <p:notesMasterIdLst>
-    <p:notesMasterId r:id="rId15"/>
+    <p:notesMasterId r:id="rId16"/>
   </p:notesMasterIdLst>
   <p:sldIdLst>
     <p:sldId id="396" r:id="rId2"/>
@@ -17,10 +17,11 @@
     <p:sldId id="258" r:id="rId8"/>
     <p:sldId id="267" r:id="rId9"/>
     <p:sldId id="260" r:id="rId10"/>
-    <p:sldId id="261" r:id="rId11"/>
-    <p:sldId id="262" r:id="rId12"/>
-    <p:sldId id="266" r:id="rId13"/>
-    <p:sldId id="268" r:id="rId14"/>
+    <p:sldId id="397" r:id="rId11"/>
+    <p:sldId id="261" r:id="rId12"/>
+    <p:sldId id="262" r:id="rId13"/>
+    <p:sldId id="266" r:id="rId14"/>
+    <p:sldId id="268" r:id="rId15"/>
   </p:sldIdLst>
   <p:sldSz cx="9144000" cy="6858000" type="screen4x3"/>
   <p:notesSz cx="7315200" cy="9601200"/>
@@ -238,7 +239,7 @@
           <a:p>
             <a:fld id="{ECAAAD59-9D48-48BB-8EF4-798822FFF5A4}" type="datetimeFigureOut">
               <a:rPr lang="en-US" smtClean="0"/>
-              <a:t>8/2/2018</a:t>
+              <a:t>5/23/2020</a:t>
             </a:fld>
             <a:endParaRPr lang="en-US"/>
           </a:p>
@@ -636,7 +637,7 @@
           <a:p>
             <a:fld id="{1618355B-3634-4BC9-81D5-8538227F5BA8}" type="datetime1">
               <a:rPr lang="en-US" smtClean="0"/>
-              <a:t>8/2/2018</a:t>
+              <a:t>5/23/2020</a:t>
             </a:fld>
             <a:endParaRPr lang="en-US"/>
           </a:p>
@@ -815,7 +816,7 @@
           <a:p>
             <a:fld id="{2A2F89F1-48A6-4324-AFD1-3EC079BC4F99}" type="datetime1">
               <a:rPr lang="en-US" smtClean="0"/>
-              <a:t>8/2/2018</a:t>
+              <a:t>5/23/2020</a:t>
             </a:fld>
             <a:endParaRPr lang="en-US"/>
           </a:p>
@@ -1004,7 +1005,7 @@
           <a:p>
             <a:fld id="{A9F944BD-13BB-4F52-849A-274E079381D0}" type="datetime1">
               <a:rPr lang="en-US" smtClean="0"/>
-              <a:t>8/2/2018</a:t>
+              <a:t>5/23/2020</a:t>
             </a:fld>
             <a:endParaRPr lang="en-US"/>
           </a:p>
@@ -1183,7 +1184,7 @@
           <a:p>
             <a:fld id="{15E020E6-F8D9-4825-A9D6-C37AF1154F69}" type="datetime1">
               <a:rPr lang="en-US" smtClean="0"/>
-              <a:t>8/2/2018</a:t>
+              <a:t>5/23/2020</a:t>
             </a:fld>
             <a:endParaRPr lang="en-US"/>
           </a:p>
@@ -1436,7 +1437,7 @@
           <a:p>
             <a:fld id="{8076DA9F-4F33-47E2-BCB6-74E79BC19394}" type="datetime1">
               <a:rPr lang="en-US" smtClean="0"/>
-              <a:t>8/2/2018</a:t>
+              <a:t>5/23/2020</a:t>
             </a:fld>
             <a:endParaRPr lang="en-US"/>
           </a:p>
@@ -1677,7 +1678,7 @@
           <a:p>
             <a:fld id="{FBAF2370-96AE-4D11-A0C2-121376BBDA55}" type="datetime1">
               <a:rPr lang="en-US" smtClean="0"/>
-              <a:t>8/2/2018</a:t>
+              <a:t>5/23/2020</a:t>
             </a:fld>
             <a:endParaRPr lang="en-US"/>
           </a:p>
@@ -2053,7 +2054,7 @@
           <a:p>
             <a:fld id="{169582F2-1EA8-421C-B8F8-D8CA1E3EFF62}" type="datetime1">
               <a:rPr lang="en-US" smtClean="0"/>
-              <a:t>8/2/2018</a:t>
+              <a:t>5/23/2020</a:t>
             </a:fld>
             <a:endParaRPr lang="en-US"/>
           </a:p>
@@ -2180,7 +2181,7 @@
           <a:p>
             <a:fld id="{A517D7DA-5058-420F-9DBC-85DE61D477C2}" type="datetime1">
               <a:rPr lang="en-US" smtClean="0"/>
-              <a:t>8/2/2018</a:t>
+              <a:t>5/23/2020</a:t>
             </a:fld>
             <a:endParaRPr lang="en-US"/>
           </a:p>
@@ -2284,7 +2285,7 @@
           <a:p>
             <a:fld id="{8FFB225B-7C69-40F3-B61C-519BFAC1134E}" type="datetime1">
               <a:rPr lang="en-US" smtClean="0"/>
-              <a:t>8/2/2018</a:t>
+              <a:t>5/23/2020</a:t>
             </a:fld>
             <a:endParaRPr lang="en-US"/>
           </a:p>
@@ -2570,7 +2571,7 @@
           <a:p>
             <a:fld id="{ECAE7071-FDDA-440A-98D6-E8E6F92A50F1}" type="datetime1">
               <a:rPr lang="en-US" smtClean="0"/>
-              <a:t>8/2/2018</a:t>
+              <a:t>5/23/2020</a:t>
             </a:fld>
             <a:endParaRPr lang="en-US"/>
           </a:p>
@@ -2836,7 +2837,7 @@
           <a:p>
             <a:fld id="{AC5FFC63-6CD2-42EF-9476-C30364AABDD9}" type="datetime1">
               <a:rPr lang="en-US" smtClean="0"/>
-              <a:t>8/2/2018</a:t>
+              <a:t>5/23/2020</a:t>
             </a:fld>
             <a:endParaRPr lang="en-US"/>
           </a:p>
@@ -3058,7 +3059,7 @@
           <a:p>
             <a:fld id="{19B6766A-8FD1-4A76-8D41-2F10BEB35D78}" type="datetime1">
               <a:rPr lang="en-US" smtClean="0"/>
-              <a:t>8/2/2018</a:t>
+              <a:t>5/23/2020</a:t>
             </a:fld>
             <a:endParaRPr lang="en-US"/>
           </a:p>
@@ -3775,12 +3776,122 @@
           <a:chExt cx="0" cy="0"/>
         </a:xfrm>
       </p:grpSpPr>
+      <p:sp>
+        <p:nvSpPr>
+          <p:cNvPr id="23" name="TextBox 22">
+            <a:extLst>
+              <a:ext uri="{FF2B5EF4-FFF2-40B4-BE49-F238E27FC236}">
+                <a16:creationId xmlns:a16="http://schemas.microsoft.com/office/drawing/2014/main" id="{23C9C9B0-CFE7-48FF-A537-AC329D9E5890}"/>
+              </a:ext>
+            </a:extLst>
+          </p:cNvPr>
+          <p:cNvSpPr txBox="1"/>
+          <p:nvPr/>
+        </p:nvSpPr>
+        <p:spPr>
+          <a:xfrm>
+            <a:off x="1803736" y="629107"/>
+            <a:ext cx="5536529" cy="461665"/>
+          </a:xfrm>
+          <a:prstGeom prst="rect">
+            <a:avLst/>
+          </a:prstGeom>
+          <a:noFill/>
+        </p:spPr>
+        <p:txBody>
+          <a:bodyPr wrap="square" rtlCol="0">
+            <a:spAutoFit/>
+          </a:bodyPr>
+          <a:lstStyle/>
+          <a:p>
+            <a:pPr algn="ctr"/>
+            <a:r>
+              <a:rPr lang="en-US" sz="2400" b="1" dirty="0"/>
+              <a:t>8. Finding an Open Reading Frame (ORF)</a:t>
+            </a:r>
+          </a:p>
+        </p:txBody>
+      </p:sp>
+      <p:sp>
+        <p:nvSpPr>
+          <p:cNvPr id="9" name="TextBox 8">
+            <a:extLst>
+              <a:ext uri="{FF2B5EF4-FFF2-40B4-BE49-F238E27FC236}">
+                <a16:creationId xmlns:a16="http://schemas.microsoft.com/office/drawing/2014/main" id="{742B327F-B52E-44A4-ABB7-11F53293194A}"/>
+              </a:ext>
+            </a:extLst>
+          </p:cNvPr>
+          <p:cNvSpPr txBox="1"/>
+          <p:nvPr/>
+        </p:nvSpPr>
+        <p:spPr>
+          <a:xfrm>
+            <a:off x="577901" y="570586"/>
+            <a:ext cx="841248" cy="369332"/>
+          </a:xfrm>
+          <a:prstGeom prst="rect">
+            <a:avLst/>
+          </a:prstGeom>
+          <a:noFill/>
+          <a:ln w="12700">
+            <a:solidFill>
+              <a:srgbClr val="7030A0"/>
+            </a:solidFill>
+          </a:ln>
+        </p:spPr>
+        <p:txBody>
+          <a:bodyPr wrap="square" rtlCol="0">
+            <a:spAutoFit/>
+          </a:bodyPr>
+          <a:lstStyle/>
+          <a:p>
+            <a:pPr algn="ctr"/>
+            <a:r>
+              <a:rPr lang="en-US" b="1" dirty="0">
+                <a:solidFill>
+                  <a:srgbClr val="7030A0"/>
+                </a:solidFill>
+              </a:rPr>
+              <a:t>10 pts</a:t>
+            </a:r>
+          </a:p>
+        </p:txBody>
+      </p:sp>
+      <p:sp>
+        <p:nvSpPr>
+          <p:cNvPr id="4" name="Slide Number Placeholder 3">
+            <a:extLst>
+              <a:ext uri="{FF2B5EF4-FFF2-40B4-BE49-F238E27FC236}">
+                <a16:creationId xmlns:a16="http://schemas.microsoft.com/office/drawing/2014/main" id="{93D31048-47F7-4CF8-8828-5148ECFBB552}"/>
+              </a:ext>
+            </a:extLst>
+          </p:cNvPr>
+          <p:cNvSpPr>
+            <a:spLocks noGrp="1"/>
+          </p:cNvSpPr>
+          <p:nvPr>
+            <p:ph type="sldNum" sz="quarter" idx="12"/>
+          </p:nvPr>
+        </p:nvSpPr>
+        <p:spPr/>
+        <p:txBody>
+          <a:bodyPr/>
+          <a:lstStyle/>
+          <a:p>
+            <a:fld id="{1AF7FFAD-783D-4810-A9CB-C51F00BE5B3E}" type="slidenum">
+              <a:rPr lang="en-US" smtClean="0"/>
+              <a:t>10</a:t>
+            </a:fld>
+            <a:endParaRPr lang="en-US"/>
+          </a:p>
+        </p:txBody>
+      </p:sp>
       <p:pic>
         <p:nvPicPr>
-          <p:cNvPr id="4" name="Picture 3">
+          <p:cNvPr id="8" name="Picture 7">
             <a:extLst>
               <a:ext uri="{FF2B5EF4-FFF2-40B4-BE49-F238E27FC236}">
-                <a16:creationId xmlns:a16="http://schemas.microsoft.com/office/drawing/2014/main" id="{69B79E2A-6468-4507-AD22-F546108B10AD}"/>
+                <a16:creationId xmlns:a16="http://schemas.microsoft.com/office/drawing/2014/main" id="{2CC5C279-B0AF-4A35-B28F-CB366FE70356}"/>
               </a:ext>
             </a:extLst>
           </p:cNvPr>
@@ -3797,8 +3908,68 @@
         </p:blipFill>
         <p:spPr>
           <a:xfrm>
-            <a:off x="540658" y="1633797"/>
-            <a:ext cx="5467904" cy="2433454"/>
+            <a:off x="766158" y="1638876"/>
+            <a:ext cx="7611683" cy="3397699"/>
+          </a:xfrm>
+          <a:prstGeom prst="rect">
+            <a:avLst/>
+          </a:prstGeom>
+        </p:spPr>
+      </p:pic>
+    </p:spTree>
+    <p:extLst>
+      <p:ext uri="{BB962C8B-B14F-4D97-AF65-F5344CB8AC3E}">
+        <p14:creationId xmlns:p14="http://schemas.microsoft.com/office/powerpoint/2010/main" val="2169679914"/>
+      </p:ext>
+    </p:extLst>
+  </p:cSld>
+  <p:clrMapOvr>
+    <a:masterClrMapping/>
+  </p:clrMapOvr>
+</p:sld>
+</file>
+
+<file path=ppt/slides/slide11.xml><?xml version="1.0" encoding="utf-8"?>
+<p:sld xmlns:a="http://schemas.openxmlformats.org/drawingml/2006/main" xmlns:r="http://schemas.openxmlformats.org/officeDocument/2006/relationships" xmlns:p="http://schemas.openxmlformats.org/presentationml/2006/main">
+  <p:cSld>
+    <p:spTree>
+      <p:nvGrpSpPr>
+        <p:cNvPr id="1" name=""/>
+        <p:cNvGrpSpPr/>
+        <p:nvPr/>
+      </p:nvGrpSpPr>
+      <p:grpSpPr>
+        <a:xfrm>
+          <a:off x="0" y="0"/>
+          <a:ext cx="0" cy="0"/>
+          <a:chOff x="0" y="0"/>
+          <a:chExt cx="0" cy="0"/>
+        </a:xfrm>
+      </p:grpSpPr>
+      <p:pic>
+        <p:nvPicPr>
+          <p:cNvPr id="3" name="Picture 2">
+            <a:extLst>
+              <a:ext uri="{FF2B5EF4-FFF2-40B4-BE49-F238E27FC236}">
+                <a16:creationId xmlns:a16="http://schemas.microsoft.com/office/drawing/2014/main" id="{5D301597-2BDD-4EF0-9313-510AA4E2A6E2}"/>
+              </a:ext>
+            </a:extLst>
+          </p:cNvPr>
+          <p:cNvPicPr>
+            <a:picLocks noChangeAspect="1"/>
+          </p:cNvPicPr>
+          <p:nvPr/>
+        </p:nvPicPr>
+        <p:blipFill>
+          <a:blip r:embed="rId2"/>
+          <a:stretch>
+            <a:fillRect/>
+          </a:stretch>
+        </p:blipFill>
+        <p:spPr>
+          <a:xfrm>
+            <a:off x="540659" y="1629161"/>
+            <a:ext cx="5467904" cy="2451939"/>
           </a:xfrm>
           <a:prstGeom prst="rect">
             <a:avLst/>
@@ -3810,114 +3981,6 @@
           </a:ln>
         </p:spPr>
       </p:pic>
-      <p:grpSp>
-        <p:nvGrpSpPr>
-          <p:cNvPr id="15" name="Group 14">
-            <a:extLst>
-              <a:ext uri="{FF2B5EF4-FFF2-40B4-BE49-F238E27FC236}">
-                <a16:creationId xmlns:a16="http://schemas.microsoft.com/office/drawing/2014/main" id="{9900E416-1CB4-438A-878D-785B77969265}"/>
-              </a:ext>
-            </a:extLst>
-          </p:cNvPr>
-          <p:cNvGrpSpPr/>
-          <p:nvPr/>
-        </p:nvGrpSpPr>
-        <p:grpSpPr>
-          <a:xfrm>
-            <a:off x="4642686" y="3072256"/>
-            <a:ext cx="3151971" cy="2222657"/>
-            <a:chOff x="4094046" y="2589453"/>
-            <a:chExt cx="3151971" cy="2222657"/>
-          </a:xfrm>
-        </p:grpSpPr>
-        <p:pic>
-          <p:nvPicPr>
-            <p:cNvPr id="8" name="Picture 7">
-              <a:extLst>
-                <a:ext uri="{FF2B5EF4-FFF2-40B4-BE49-F238E27FC236}">
-                  <a16:creationId xmlns:a16="http://schemas.microsoft.com/office/drawing/2014/main" id="{4832069F-6248-469E-B0A0-0048C90E85F8}"/>
-                </a:ext>
-              </a:extLst>
-            </p:cNvPr>
-            <p:cNvPicPr>
-              <a:picLocks noChangeAspect="1"/>
-            </p:cNvPicPr>
-            <p:nvPr/>
-          </p:nvPicPr>
-          <p:blipFill>
-            <a:blip r:embed="rId3"/>
-            <a:stretch>
-              <a:fillRect/>
-            </a:stretch>
-          </p:blipFill>
-          <p:spPr>
-            <a:xfrm>
-              <a:off x="4094046" y="2589453"/>
-              <a:ext cx="3151971" cy="2010066"/>
-            </a:xfrm>
-            <a:prstGeom prst="rect">
-              <a:avLst/>
-            </a:prstGeom>
-            <a:ln>
-              <a:solidFill>
-                <a:schemeClr val="tx1"/>
-              </a:solidFill>
-            </a:ln>
-          </p:spPr>
-        </p:pic>
-        <p:sp>
-          <p:nvSpPr>
-            <p:cNvPr id="10" name="Speech Bubble: Rectangle 9">
-              <a:extLst>
-                <a:ext uri="{FF2B5EF4-FFF2-40B4-BE49-F238E27FC236}">
-                  <a16:creationId xmlns:a16="http://schemas.microsoft.com/office/drawing/2014/main" id="{2F39147D-56BE-438D-A15B-8F38887711BF}"/>
-                </a:ext>
-              </a:extLst>
-            </p:cNvPr>
-            <p:cNvSpPr/>
-            <p:nvPr/>
-          </p:nvSpPr>
-          <p:spPr>
-            <a:xfrm>
-              <a:off x="5468846" y="4256154"/>
-              <a:ext cx="1630188" cy="555956"/>
-            </a:xfrm>
-            <a:prstGeom prst="wedgeRectCallout">
-              <a:avLst>
-                <a:gd name="adj1" fmla="val -116425"/>
-                <a:gd name="adj2" fmla="val -54595"/>
-              </a:avLst>
-            </a:prstGeom>
-          </p:spPr>
-          <p:style>
-            <a:lnRef idx="2">
-              <a:schemeClr val="accent1">
-                <a:shade val="50000"/>
-              </a:schemeClr>
-            </a:lnRef>
-            <a:fillRef idx="1">
-              <a:schemeClr val="accent1"/>
-            </a:fillRef>
-            <a:effectRef idx="0">
-              <a:schemeClr val="accent1"/>
-            </a:effectRef>
-            <a:fontRef idx="minor">
-              <a:schemeClr val="lt1"/>
-            </a:fontRef>
-          </p:style>
-          <p:txBody>
-            <a:bodyPr rtlCol="0" anchor="ctr"/>
-            <a:lstStyle/>
-            <a:p>
-              <a:pPr algn="ctr"/>
-              <a:r>
-                <a:rPr lang="en-US" sz="1600" dirty="0"/>
-                <a:t>You must write this function</a:t>
-              </a:r>
-            </a:p>
-          </p:txBody>
-        </p:sp>
-      </p:grpSp>
       <p:sp>
         <p:nvSpPr>
           <p:cNvPr id="9" name="TextBox 8">
@@ -3932,8 +3995,8 @@
         </p:nvSpPr>
         <p:spPr>
           <a:xfrm>
-            <a:off x="1148486" y="5422053"/>
-            <a:ext cx="4472370" cy="923330"/>
+            <a:off x="839285" y="5144075"/>
+            <a:ext cx="4870651" cy="923330"/>
           </a:xfrm>
           <a:prstGeom prst="rect">
             <a:avLst/>
@@ -3988,7 +4051,7 @@
         </p:nvSpPr>
         <p:spPr>
           <a:xfrm>
-            <a:off x="2033626" y="2355494"/>
+            <a:off x="2033626" y="2315739"/>
             <a:ext cx="1558137" cy="175565"/>
           </a:xfrm>
           <a:prstGeom prst="rect">
@@ -4026,54 +4089,6 @@
           </a:p>
         </p:txBody>
       </p:sp>
-      <p:cxnSp>
-        <p:nvCxnSpPr>
-          <p:cNvPr id="13" name="Connector: Elbow 12">
-            <a:extLst>
-              <a:ext uri="{FF2B5EF4-FFF2-40B4-BE49-F238E27FC236}">
-                <a16:creationId xmlns:a16="http://schemas.microsoft.com/office/drawing/2014/main" id="{2AEBA79B-149F-4399-800A-1D98DC7372E6}"/>
-              </a:ext>
-            </a:extLst>
-          </p:cNvPr>
-          <p:cNvCxnSpPr>
-            <a:cxnSpLocks/>
-            <a:stCxn id="12" idx="3"/>
-            <a:endCxn id="18" idx="1"/>
-          </p:cNvCxnSpPr>
-          <p:nvPr/>
-        </p:nvCxnSpPr>
-        <p:spPr>
-          <a:xfrm>
-            <a:off x="3591763" y="2443277"/>
-            <a:ext cx="1014327" cy="1920622"/>
-          </a:xfrm>
-          <a:prstGeom prst="bentConnector3">
-            <a:avLst>
-              <a:gd name="adj1" fmla="val 50000"/>
-            </a:avLst>
-          </a:prstGeom>
-          <a:ln>
-            <a:solidFill>
-              <a:srgbClr val="FF0000"/>
-            </a:solidFill>
-            <a:tailEnd type="triangle"/>
-          </a:ln>
-        </p:spPr>
-        <p:style>
-          <a:lnRef idx="1">
-            <a:schemeClr val="accent1"/>
-          </a:lnRef>
-          <a:fillRef idx="0">
-            <a:schemeClr val="accent1"/>
-          </a:fillRef>
-          <a:effectRef idx="0">
-            <a:schemeClr val="accent1"/>
-          </a:effectRef>
-          <a:fontRef idx="minor">
-            <a:schemeClr val="tx1"/>
-          </a:fontRef>
-        </p:style>
-      </p:cxnSp>
       <p:sp>
         <p:nvSpPr>
           <p:cNvPr id="18" name="Rectangle 17">
@@ -4153,7 +4168,7 @@
           <a:p>
             <a:r>
               <a:rPr lang="en-US" sz="1100" dirty="0">
-                <a:hlinkClick r:id="rId4"/>
+                <a:hlinkClick r:id="rId3"/>
               </a:rPr>
               <a:t>http://vlab.amrita.edu/?sub=3&amp;brch=273&amp;sim=1432&amp;cnt=1</a:t>
             </a:r>
@@ -4193,51 +4208,6 @@
             <a:r>
               <a:rPr lang="en-US" sz="2400" b="1" dirty="0"/>
               <a:t>8. Finding an Open Reading Frame (ORF)</a:t>
-            </a:r>
-          </a:p>
-        </p:txBody>
-      </p:sp>
-      <p:sp>
-        <p:nvSpPr>
-          <p:cNvPr id="25" name="TextBox 24">
-            <a:extLst>
-              <a:ext uri="{FF2B5EF4-FFF2-40B4-BE49-F238E27FC236}">
-                <a16:creationId xmlns:a16="http://schemas.microsoft.com/office/drawing/2014/main" id="{B2DF1BEA-FB13-4752-8117-6C2F81AA25E4}"/>
-              </a:ext>
-            </a:extLst>
-          </p:cNvPr>
-          <p:cNvSpPr txBox="1"/>
-          <p:nvPr/>
-        </p:nvSpPr>
-        <p:spPr>
-          <a:xfrm>
-            <a:off x="577901" y="570586"/>
-            <a:ext cx="841248" cy="369332"/>
-          </a:xfrm>
-          <a:prstGeom prst="rect">
-            <a:avLst/>
-          </a:prstGeom>
-          <a:noFill/>
-          <a:ln w="12700">
-            <a:solidFill>
-              <a:srgbClr val="7030A0"/>
-            </a:solidFill>
-          </a:ln>
-        </p:spPr>
-        <p:txBody>
-          <a:bodyPr wrap="square" rtlCol="0">
-            <a:spAutoFit/>
-          </a:bodyPr>
-          <a:lstStyle/>
-          <a:p>
-            <a:pPr algn="ctr"/>
-            <a:r>
-              <a:rPr lang="en-US" b="1" dirty="0">
-                <a:solidFill>
-                  <a:srgbClr val="7030A0"/>
-                </a:solidFill>
-              </a:rPr>
-              <a:t>10 pts</a:t>
             </a:r>
           </a:p>
         </p:txBody>
@@ -4265,9 +4235,195 @@
           <a:p>
             <a:fld id="{1AF7FFAD-783D-4810-A9CB-C51F00BE5B3E}" type="slidenum">
               <a:rPr lang="en-US" smtClean="0"/>
-              <a:t>10</a:t>
+              <a:t>11</a:t>
             </a:fld>
             <a:endParaRPr lang="en-US"/>
+          </a:p>
+        </p:txBody>
+      </p:sp>
+      <p:pic>
+        <p:nvPicPr>
+          <p:cNvPr id="5" name="Picture 4">
+            <a:extLst>
+              <a:ext uri="{FF2B5EF4-FFF2-40B4-BE49-F238E27FC236}">
+                <a16:creationId xmlns:a16="http://schemas.microsoft.com/office/drawing/2014/main" id="{2512AE23-1E9E-42C5-9F4F-E61E315505F8}"/>
+              </a:ext>
+            </a:extLst>
+          </p:cNvPr>
+          <p:cNvPicPr>
+            <a:picLocks noChangeAspect="1"/>
+          </p:cNvPicPr>
+          <p:nvPr/>
+        </p:nvPicPr>
+        <p:blipFill>
+          <a:blip r:embed="rId4"/>
+          <a:stretch>
+            <a:fillRect/>
+          </a:stretch>
+        </p:blipFill>
+        <p:spPr>
+          <a:xfrm>
+            <a:off x="4493364" y="2315739"/>
+            <a:ext cx="3800000" cy="2371429"/>
+          </a:xfrm>
+          <a:prstGeom prst="rect">
+            <a:avLst/>
+          </a:prstGeom>
+          <a:ln>
+            <a:solidFill>
+              <a:schemeClr val="tx1"/>
+            </a:solidFill>
+          </a:ln>
+        </p:spPr>
+      </p:pic>
+      <p:sp>
+        <p:nvSpPr>
+          <p:cNvPr id="6" name="Rectangle 5">
+            <a:extLst>
+              <a:ext uri="{FF2B5EF4-FFF2-40B4-BE49-F238E27FC236}">
+                <a16:creationId xmlns:a16="http://schemas.microsoft.com/office/drawing/2014/main" id="{712FF58A-3D83-47F3-9527-F4EC851D34DF}"/>
+              </a:ext>
+            </a:extLst>
+          </p:cNvPr>
+          <p:cNvSpPr/>
+          <p:nvPr/>
+        </p:nvSpPr>
+        <p:spPr>
+          <a:xfrm>
+            <a:off x="4809800" y="3212327"/>
+            <a:ext cx="3403897" cy="216673"/>
+          </a:xfrm>
+          <a:prstGeom prst="rect">
+            <a:avLst/>
+          </a:prstGeom>
+          <a:noFill/>
+          <a:ln>
+            <a:solidFill>
+              <a:srgbClr val="FF0000"/>
+            </a:solidFill>
+          </a:ln>
+        </p:spPr>
+        <p:style>
+          <a:lnRef idx="2">
+            <a:schemeClr val="accent1">
+              <a:shade val="50000"/>
+            </a:schemeClr>
+          </a:lnRef>
+          <a:fillRef idx="1">
+            <a:schemeClr val="accent1"/>
+          </a:fillRef>
+          <a:effectRef idx="0">
+            <a:schemeClr val="accent1"/>
+          </a:effectRef>
+          <a:fontRef idx="minor">
+            <a:schemeClr val="lt1"/>
+          </a:fontRef>
+        </p:style>
+        <p:txBody>
+          <a:bodyPr rtlCol="0" anchor="ctr"/>
+          <a:lstStyle/>
+          <a:p>
+            <a:pPr algn="ctr"/>
+            <a:endParaRPr lang="en-US"/>
+          </a:p>
+        </p:txBody>
+      </p:sp>
+      <p:cxnSp>
+        <p:nvCxnSpPr>
+          <p:cNvPr id="13" name="Connector: Elbow 12">
+            <a:extLst>
+              <a:ext uri="{FF2B5EF4-FFF2-40B4-BE49-F238E27FC236}">
+                <a16:creationId xmlns:a16="http://schemas.microsoft.com/office/drawing/2014/main" id="{2AEBA79B-149F-4399-800A-1D98DC7372E6}"/>
+              </a:ext>
+            </a:extLst>
+          </p:cNvPr>
+          <p:cNvCxnSpPr>
+            <a:cxnSpLocks/>
+            <a:stCxn id="12" idx="3"/>
+          </p:cNvCxnSpPr>
+          <p:nvPr/>
+        </p:nvCxnSpPr>
+        <p:spPr>
+          <a:xfrm>
+            <a:off x="3591763" y="2403522"/>
+            <a:ext cx="1218037" cy="923330"/>
+          </a:xfrm>
+          <a:prstGeom prst="bentConnector3">
+            <a:avLst>
+              <a:gd name="adj1" fmla="val 50000"/>
+            </a:avLst>
+          </a:prstGeom>
+          <a:ln>
+            <a:solidFill>
+              <a:srgbClr val="FF0000"/>
+            </a:solidFill>
+            <a:tailEnd type="triangle"/>
+          </a:ln>
+        </p:spPr>
+        <p:style>
+          <a:lnRef idx="1">
+            <a:schemeClr val="accent1"/>
+          </a:lnRef>
+          <a:fillRef idx="0">
+            <a:schemeClr val="accent1"/>
+          </a:fillRef>
+          <a:effectRef idx="0">
+            <a:schemeClr val="accent1"/>
+          </a:effectRef>
+          <a:fontRef idx="minor">
+            <a:schemeClr val="tx1"/>
+          </a:fontRef>
+        </p:style>
+      </p:cxnSp>
+      <p:sp>
+        <p:nvSpPr>
+          <p:cNvPr id="10" name="Speech Bubble: Rectangle 9">
+            <a:extLst>
+              <a:ext uri="{FF2B5EF4-FFF2-40B4-BE49-F238E27FC236}">
+                <a16:creationId xmlns:a16="http://schemas.microsoft.com/office/drawing/2014/main" id="{2F39147D-56BE-438D-A15B-8F38887711BF}"/>
+              </a:ext>
+            </a:extLst>
+          </p:cNvPr>
+          <p:cNvSpPr/>
+          <p:nvPr/>
+        </p:nvSpPr>
+        <p:spPr>
+          <a:xfrm>
+            <a:off x="7254023" y="4866097"/>
+            <a:ext cx="1630188" cy="555956"/>
+          </a:xfrm>
+          <a:prstGeom prst="wedgeRectCallout">
+            <a:avLst>
+              <a:gd name="adj1" fmla="val -73990"/>
+              <a:gd name="adj2" fmla="val -181883"/>
+            </a:avLst>
+          </a:prstGeom>
+        </p:spPr>
+        <p:style>
+          <a:lnRef idx="2">
+            <a:schemeClr val="accent1">
+              <a:shade val="50000"/>
+            </a:schemeClr>
+          </a:lnRef>
+          <a:fillRef idx="1">
+            <a:schemeClr val="accent1"/>
+          </a:fillRef>
+          <a:effectRef idx="0">
+            <a:schemeClr val="accent1"/>
+          </a:effectRef>
+          <a:fontRef idx="minor">
+            <a:schemeClr val="lt1"/>
+          </a:fontRef>
+        </p:style>
+        <p:txBody>
+          <a:bodyPr rtlCol="0" anchor="ctr"/>
+          <a:lstStyle/>
+          <a:p>
+            <a:pPr algn="ctr"/>
+            <a:r>
+              <a:rPr lang="en-US" sz="1600" dirty="0"/>
+              <a:t>You must write this function</a:t>
+            </a:r>
           </a:p>
         </p:txBody>
       </p:sp>
@@ -4284,7 +4440,7 @@
 </p:sld>
 </file>
 
-<file path=ppt/slides/slide11.xml><?xml version="1.0" encoding="utf-8"?>
+<file path=ppt/slides/slide12.xml><?xml version="1.0" encoding="utf-8"?>
 <p:sld xmlns:a="http://schemas.openxmlformats.org/drawingml/2006/main" xmlns:r="http://schemas.openxmlformats.org/officeDocument/2006/relationships" xmlns:p="http://schemas.openxmlformats.org/presentationml/2006/main">
   <p:cSld>
     <p:spTree>
@@ -4303,10 +4459,10 @@
       </p:grpSpPr>
       <p:pic>
         <p:nvPicPr>
-          <p:cNvPr id="8" name="Picture 7">
+          <p:cNvPr id="4" name="Picture 3">
             <a:extLst>
               <a:ext uri="{FF2B5EF4-FFF2-40B4-BE49-F238E27FC236}">
-                <a16:creationId xmlns:a16="http://schemas.microsoft.com/office/drawing/2014/main" id="{BFD3EC92-A60D-4CC7-8791-E153E86DB8AD}"/>
+                <a16:creationId xmlns:a16="http://schemas.microsoft.com/office/drawing/2014/main" id="{BB9794F3-336B-48A7-8682-377BF0563586}"/>
               </a:ext>
             </a:extLst>
           </p:cNvPr>
@@ -4323,8 +4479,8 @@
         </p:blipFill>
         <p:spPr>
           <a:xfrm>
-            <a:off x="388859" y="2325049"/>
-            <a:ext cx="4362248" cy="3135713"/>
+            <a:off x="229834" y="2460923"/>
+            <a:ext cx="4354600" cy="2898260"/>
           </a:xfrm>
           <a:prstGeom prst="rect">
             <a:avLst/>
@@ -4336,76 +4492,6 @@
           </a:ln>
         </p:spPr>
       </p:pic>
-      <p:pic>
-        <p:nvPicPr>
-          <p:cNvPr id="7" name="Picture 6">
-            <a:extLst>
-              <a:ext uri="{FF2B5EF4-FFF2-40B4-BE49-F238E27FC236}">
-                <a16:creationId xmlns:a16="http://schemas.microsoft.com/office/drawing/2014/main" id="{CA7202E8-392D-4A1A-880F-572757337D8E}"/>
-              </a:ext>
-            </a:extLst>
-          </p:cNvPr>
-          <p:cNvPicPr>
-            <a:picLocks noChangeAspect="1"/>
-          </p:cNvPicPr>
-          <p:nvPr/>
-        </p:nvPicPr>
-        <p:blipFill>
-          <a:blip r:embed="rId3"/>
-          <a:stretch>
-            <a:fillRect/>
-          </a:stretch>
-        </p:blipFill>
-        <p:spPr>
-          <a:xfrm>
-            <a:off x="4484216" y="1599917"/>
-            <a:ext cx="3984463" cy="1609769"/>
-          </a:xfrm>
-          <a:prstGeom prst="rect">
-            <a:avLst/>
-          </a:prstGeom>
-          <a:ln>
-            <a:solidFill>
-              <a:schemeClr val="tx1"/>
-            </a:solidFill>
-          </a:ln>
-        </p:spPr>
-      </p:pic>
-      <p:pic>
-        <p:nvPicPr>
-          <p:cNvPr id="2" name="Picture 1">
-            <a:extLst>
-              <a:ext uri="{FF2B5EF4-FFF2-40B4-BE49-F238E27FC236}">
-                <a16:creationId xmlns:a16="http://schemas.microsoft.com/office/drawing/2014/main" id="{90EA5F0D-495B-4ADA-8AE2-22D847A0B3A1}"/>
-              </a:ext>
-            </a:extLst>
-          </p:cNvPr>
-          <p:cNvPicPr>
-            <a:picLocks noChangeAspect="1"/>
-          </p:cNvPicPr>
-          <p:nvPr/>
-        </p:nvPicPr>
-        <p:blipFill>
-          <a:blip r:embed="rId4"/>
-          <a:stretch>
-            <a:fillRect/>
-          </a:stretch>
-        </p:blipFill>
-        <p:spPr>
-          <a:xfrm>
-            <a:off x="4484216" y="4034311"/>
-            <a:ext cx="3956372" cy="2362833"/>
-          </a:xfrm>
-          <a:prstGeom prst="rect">
-            <a:avLst/>
-          </a:prstGeom>
-          <a:ln>
-            <a:solidFill>
-              <a:schemeClr val="tx1"/>
-            </a:solidFill>
-          </a:ln>
-        </p:spPr>
-      </p:pic>
       <p:sp>
         <p:nvSpPr>
           <p:cNvPr id="5" name="Rectangle 4">
@@ -4420,7 +4506,7 @@
         </p:nvSpPr>
         <p:spPr>
           <a:xfrm>
-            <a:off x="1982419" y="2589582"/>
+            <a:off x="1773325" y="2716129"/>
             <a:ext cx="1945843" cy="175565"/>
           </a:xfrm>
           <a:prstGeom prst="rect">
@@ -4468,19 +4554,20 @@
             </a:extLst>
           </p:cNvPr>
           <p:cNvCxnSpPr>
+            <a:cxnSpLocks/>
             <a:stCxn id="5" idx="0"/>
-            <a:endCxn id="7" idx="0"/>
+            <a:endCxn id="14" idx="0"/>
           </p:cNvCxnSpPr>
           <p:nvPr/>
         </p:nvCxnSpPr>
         <p:spPr>
           <a:xfrm rot="5400000" flipH="1" flipV="1">
-            <a:off x="4221062" y="334197"/>
-            <a:ext cx="989665" cy="3521107"/>
+            <a:off x="4074556" y="332736"/>
+            <a:ext cx="1055084" cy="3711703"/>
           </a:xfrm>
           <a:prstGeom prst="bentConnector3">
             <a:avLst>
-              <a:gd name="adj1" fmla="val 123099"/>
+              <a:gd name="adj1" fmla="val 121667"/>
             </a:avLst>
           </a:prstGeom>
           <a:ln>
@@ -4519,8 +4606,8 @@
         </p:nvSpPr>
         <p:spPr>
           <a:xfrm>
-            <a:off x="869289" y="3597251"/>
-            <a:ext cx="3753917" cy="175565"/>
+            <a:off x="463773" y="3577135"/>
+            <a:ext cx="3974877" cy="175565"/>
           </a:xfrm>
           <a:prstGeom prst="rect">
             <a:avLst/>
@@ -4567,19 +4654,20 @@
             </a:extLst>
           </p:cNvPr>
           <p:cNvCxnSpPr>
+            <a:cxnSpLocks/>
             <a:stCxn id="12" idx="0"/>
-            <a:endCxn id="2" idx="0"/>
+            <a:endCxn id="17" idx="0"/>
           </p:cNvCxnSpPr>
           <p:nvPr/>
         </p:nvCxnSpPr>
         <p:spPr>
           <a:xfrm rot="16200000" flipH="1">
-            <a:off x="4385795" y="1957704"/>
-            <a:ext cx="437060" cy="3716154"/>
+            <a:off x="4211848" y="1816498"/>
+            <a:ext cx="485465" cy="4006738"/>
           </a:xfrm>
           <a:prstGeom prst="bentConnector3">
             <a:avLst>
-              <a:gd name="adj1" fmla="val -52304"/>
+              <a:gd name="adj1" fmla="val -47089"/>
             </a:avLst>
           </a:prstGeom>
           <a:ln>
@@ -4642,51 +4730,6 @@
       </p:sp>
       <p:sp>
         <p:nvSpPr>
-          <p:cNvPr id="16" name="TextBox 15">
-            <a:extLst>
-              <a:ext uri="{FF2B5EF4-FFF2-40B4-BE49-F238E27FC236}">
-                <a16:creationId xmlns:a16="http://schemas.microsoft.com/office/drawing/2014/main" id="{8B54F780-5C25-4D87-BD91-5E377181EE47}"/>
-              </a:ext>
-            </a:extLst>
-          </p:cNvPr>
-          <p:cNvSpPr txBox="1"/>
-          <p:nvPr/>
-        </p:nvSpPr>
-        <p:spPr>
-          <a:xfrm>
-            <a:off x="577901" y="570586"/>
-            <a:ext cx="841248" cy="369332"/>
-          </a:xfrm>
-          <a:prstGeom prst="rect">
-            <a:avLst/>
-          </a:prstGeom>
-          <a:noFill/>
-          <a:ln w="12700">
-            <a:solidFill>
-              <a:srgbClr val="7030A0"/>
-            </a:solidFill>
-          </a:ln>
-        </p:spPr>
-        <p:txBody>
-          <a:bodyPr wrap="square" rtlCol="0">
-            <a:spAutoFit/>
-          </a:bodyPr>
-          <a:lstStyle/>
-          <a:p>
-            <a:pPr algn="ctr"/>
-            <a:r>
-              <a:rPr lang="en-US" b="1" dirty="0">
-                <a:solidFill>
-                  <a:srgbClr val="7030A0"/>
-                </a:solidFill>
-              </a:rPr>
-              <a:t>10 pts</a:t>
-            </a:r>
-          </a:p>
-        </p:txBody>
-      </p:sp>
-      <p:sp>
-        <p:nvSpPr>
           <p:cNvPr id="3" name="Slide Number Placeholder 2">
             <a:extLst>
               <a:ext uri="{FF2B5EF4-FFF2-40B4-BE49-F238E27FC236}">
@@ -4708,12 +4751,80 @@
           <a:p>
             <a:fld id="{1AF7FFAD-783D-4810-A9CB-C51F00BE5B3E}" type="slidenum">
               <a:rPr lang="en-US" smtClean="0"/>
-              <a:t>11</a:t>
+              <a:t>12</a:t>
             </a:fld>
             <a:endParaRPr lang="en-US"/>
           </a:p>
         </p:txBody>
       </p:sp>
+      <p:pic>
+        <p:nvPicPr>
+          <p:cNvPr id="14" name="Picture 13">
+            <a:extLst>
+              <a:ext uri="{FF2B5EF4-FFF2-40B4-BE49-F238E27FC236}">
+                <a16:creationId xmlns:a16="http://schemas.microsoft.com/office/drawing/2014/main" id="{4AF3EAF1-5684-4ED6-8FAF-0812E68DB2A1}"/>
+              </a:ext>
+            </a:extLst>
+          </p:cNvPr>
+          <p:cNvPicPr>
+            <a:picLocks noChangeAspect="1"/>
+          </p:cNvPicPr>
+          <p:nvPr/>
+        </p:nvPicPr>
+        <p:blipFill rotWithShape="1">
+          <a:blip r:embed="rId3"/>
+          <a:srcRect b="58209"/>
+          <a:stretch/>
+        </p:blipFill>
+        <p:spPr>
+          <a:xfrm>
+            <a:off x="4345024" y="1661045"/>
+            <a:ext cx="4225852" cy="1422534"/>
+          </a:xfrm>
+          <a:prstGeom prst="rect">
+            <a:avLst/>
+          </a:prstGeom>
+          <a:ln>
+            <a:solidFill>
+              <a:schemeClr val="tx1"/>
+            </a:solidFill>
+          </a:ln>
+        </p:spPr>
+      </p:pic>
+      <p:pic>
+        <p:nvPicPr>
+          <p:cNvPr id="17" name="Picture 16">
+            <a:extLst>
+              <a:ext uri="{FF2B5EF4-FFF2-40B4-BE49-F238E27FC236}">
+                <a16:creationId xmlns:a16="http://schemas.microsoft.com/office/drawing/2014/main" id="{69806056-AE56-4181-97BC-9A34017F4DCC}"/>
+              </a:ext>
+            </a:extLst>
+          </p:cNvPr>
+          <p:cNvPicPr>
+            <a:picLocks noChangeAspect="1"/>
+          </p:cNvPicPr>
+          <p:nvPr/>
+        </p:nvPicPr>
+        <p:blipFill rotWithShape="1">
+          <a:blip r:embed="rId3"/>
+          <a:srcRect t="42680"/>
+          <a:stretch/>
+        </p:blipFill>
+        <p:spPr>
+          <a:xfrm>
+            <a:off x="4345024" y="4062600"/>
+            <a:ext cx="4225852" cy="1951138"/>
+          </a:xfrm>
+          <a:prstGeom prst="rect">
+            <a:avLst/>
+          </a:prstGeom>
+          <a:ln>
+            <a:solidFill>
+              <a:schemeClr val="tx1"/>
+            </a:solidFill>
+          </a:ln>
+        </p:spPr>
+      </p:pic>
     </p:spTree>
     <p:extLst>
       <p:ext uri="{BB962C8B-B14F-4D97-AF65-F5344CB8AC3E}">
@@ -4727,7 +4838,7 @@
 </p:sld>
 </file>
 
-<file path=ppt/slides/slide12.xml><?xml version="1.0" encoding="utf-8"?>
+<file path=ppt/slides/slide13.xml><?xml version="1.0" encoding="utf-8"?>
 <p:sld xmlns:a="http://schemas.openxmlformats.org/drawingml/2006/main" xmlns:r="http://schemas.openxmlformats.org/officeDocument/2006/relationships" xmlns:p="http://schemas.openxmlformats.org/presentationml/2006/main">
   <p:cSld>
     <p:spTree>
@@ -4819,7 +4930,15 @@
             </a:r>
             <a:r>
               <a:rPr lang="en-US" dirty="0"/>
-              <a:t> folder, edit the C++ Allegro application to draw an open-ended 3D cylinder with </a:t>
+              <a:t> folder, edit the C++ Allegro application to draw an open-ended 3D </a:t>
+            </a:r>
+            <a:r>
+              <a:rPr lang="en-US" u="sng" dirty="0"/>
+              <a:t>cylinder</a:t>
+            </a:r>
+            <a:r>
+              <a:rPr lang="en-US" dirty="0"/>
+              <a:t> with </a:t>
             </a:r>
             <a:r>
               <a:rPr lang="en-US" b="1" dirty="0">
@@ -4912,7 +5031,7 @@
           <a:p>
             <a:fld id="{1AF7FFAD-783D-4810-A9CB-C51F00BE5B3E}" type="slidenum">
               <a:rPr lang="en-US" smtClean="0"/>
-              <a:t>12</a:t>
+              <a:t>13</a:t>
             </a:fld>
             <a:endParaRPr lang="en-US"/>
           </a:p>
@@ -5016,7 +5135,7 @@
 </p:sld>
 </file>
 
-<file path=ppt/slides/slide13.xml><?xml version="1.0" encoding="utf-8"?>
+<file path=ppt/slides/slide14.xml><?xml version="1.0" encoding="utf-8"?>
 <p:sld xmlns:a="http://schemas.openxmlformats.org/drawingml/2006/main" xmlns:r="http://schemas.openxmlformats.org/officeDocument/2006/relationships" xmlns:p="http://schemas.openxmlformats.org/presentationml/2006/main">
   <p:cSld>
     <p:spTree>
@@ -5114,8 +5233,8 @@
           </a:p>
         </p:txBody>
       </p:sp>
-      <mc:AlternateContent xmlns:mc="http://schemas.openxmlformats.org/markup-compatibility/2006" xmlns:a14="http://schemas.microsoft.com/office/drawing/2010/main">
-        <mc:Choice Requires="a14">
+      <mc:AlternateContent xmlns:mc="http://schemas.openxmlformats.org/markup-compatibility/2006">
+        <mc:Choice xmlns:a14="http://schemas.microsoft.com/office/drawing/2010/main" Requires="a14">
           <p:sp>
             <p:nvSpPr>
               <p:cNvPr id="5" name="TextBox 4">
@@ -5130,8 +5249,8 @@
             </p:nvSpPr>
             <p:spPr>
               <a:xfrm>
-                <a:off x="1632367" y="1470009"/>
-                <a:ext cx="5686035" cy="923330"/>
+                <a:off x="1419149" y="1536377"/>
+                <a:ext cx="6302265" cy="646331"/>
               </a:xfrm>
               <a:prstGeom prst="rect">
                 <a:avLst/>
@@ -5155,7 +5274,23 @@
                 </a:r>
                 <a:r>
                   <a:rPr lang="en-US" dirty="0"/>
-                  <a:t> folder, edit the C++ ROOT application to draw a sine wave with exactly </a:t>
+                  <a:t> folder, program </a:t>
+                </a:r>
+                <a:r>
+                  <a:rPr lang="en-US" b="1" dirty="0"/>
+                  <a:t>CERN</a:t>
+                </a:r>
+                <a:r>
+                  <a:rPr lang="en-US" dirty="0"/>
+                  <a:t> </a:t>
+                </a:r>
+                <a:r>
+                  <a:rPr lang="en-US" b="1" dirty="0"/>
+                  <a:t>ROOT</a:t>
+                </a:r>
+                <a:r>
+                  <a:rPr lang="en-US" dirty="0"/>
+                  <a:t> to draw a sine wave with exactly </a:t>
                 </a:r>
                 <a:r>
                   <a:rPr lang="en-US" b="1" dirty="0">
@@ -5179,14 +5314,7 @@
                 </a:r>
                 <a:r>
                   <a:rPr lang="en-US" dirty="0"/>
-                  <a:t>,</a:t>
-                </a:r>
-              </a:p>
-              <a:p>
-                <a:pPr algn="ctr"/>
-                <a:r>
-                  <a:rPr lang="en-US" dirty="0"/>
-                  <a:t> over the domain </a:t>
+                  <a:t>, over the domain </a:t>
                 </a:r>
                 <a14:m>
                   <m:oMath xmlns:m="http://schemas.openxmlformats.org/officeDocument/2006/math">
@@ -5244,7 +5372,7 @@
             </p:txBody>
           </p:sp>
         </mc:Choice>
-        <mc:Fallback xmlns="">
+        <mc:Fallback>
           <p:sp>
             <p:nvSpPr>
               <p:cNvPr id="5" name="TextBox 4">
@@ -5261,8 +5389,8 @@
             </p:nvSpPr>
             <p:spPr>
               <a:xfrm>
-                <a:off x="1632367" y="1470009"/>
-                <a:ext cx="5686035" cy="923330"/>
+                <a:off x="1419149" y="1536377"/>
+                <a:ext cx="6302265" cy="646331"/>
               </a:xfrm>
               <a:prstGeom prst="rect">
                 <a:avLst/>
@@ -5270,7 +5398,7 @@
               <a:blipFill>
                 <a:blip r:embed="rId2"/>
                 <a:stretch>
-                  <a:fillRect t="-3289" r="-429" b="-9211"/>
+                  <a:fillRect t="-4717" r="-97" b="-14151"/>
                 </a:stretch>
               </a:blipFill>
             </p:spPr>
@@ -5312,7 +5440,7 @@
           <a:p>
             <a:fld id="{1AF7FFAD-783D-4810-A9CB-C51F00BE5B3E}" type="slidenum">
               <a:rPr lang="en-US" smtClean="0"/>
-              <a:t>13</a:t>
+              <a:t>14</a:t>
             </a:fld>
             <a:endParaRPr lang="en-US"/>
           </a:p>
@@ -5474,9 +5602,9 @@
         <p:grpSpPr>
           <a:xfrm>
             <a:off x="3142183" y="3236976"/>
-            <a:ext cx="2875353" cy="1565695"/>
+            <a:ext cx="2875353" cy="1556430"/>
             <a:chOff x="4946699" y="1744675"/>
-            <a:chExt cx="2875353" cy="1565695"/>
+            <a:chExt cx="2875353" cy="1556430"/>
           </a:xfrm>
         </p:grpSpPr>
         <mc:AlternateContent xmlns:mc="http://schemas.openxmlformats.org/markup-compatibility/2006" xmlns:a14="http://schemas.microsoft.com/office/drawing/2010/main">
@@ -5693,8 +5821,8 @@
             </p:sp>
           </mc:Fallback>
         </mc:AlternateContent>
-        <mc:AlternateContent xmlns:mc="http://schemas.openxmlformats.org/markup-compatibility/2006" xmlns:a14="http://schemas.microsoft.com/office/drawing/2010/main">
-          <mc:Choice Requires="a14">
+        <mc:AlternateContent xmlns:mc="http://schemas.openxmlformats.org/markup-compatibility/2006">
+          <mc:Choice xmlns:a14="http://schemas.microsoft.com/office/drawing/2010/main" Requires="a14">
             <p:sp>
               <p:nvSpPr>
                 <p:cNvPr id="37" name="TextBox 36">
@@ -5765,7 +5893,13 @@
                           <a:rPr lang="en-US" b="0" i="1" smtClean="0">
                             <a:latin typeface="Cambria Math" panose="02040503050406030204" pitchFamily="18" charset="0"/>
                           </a:rPr>
-                          <m:t>+6</m:t>
+                          <m:t>+</m:t>
+                        </m:r>
+                        <m:r>
+                          <a:rPr lang="en-US" b="0" i="1" smtClean="0">
+                            <a:latin typeface="Cambria Math" panose="02040503050406030204" pitchFamily="18" charset="0"/>
+                          </a:rPr>
+                          <m:t>2</m:t>
                         </m:r>
                         <m:sSub>
                           <m:sSubPr>
@@ -5868,7 +6002,7 @@
               </p:txBody>
             </p:sp>
           </mc:Choice>
-          <mc:Fallback xmlns="">
+          <mc:Fallback>
             <p:sp>
               <p:nvSpPr>
                 <p:cNvPr id="37" name="TextBox 36">
@@ -5894,7 +6028,7 @@
                 <a:blipFill>
                   <a:blip r:embed="rId7"/>
                   <a:stretch>
-                    <a:fillRect l="-1493" r="-1493" b="-15556"/>
+                    <a:fillRect l="-1277" r="-1489" b="-15556"/>
                   </a:stretch>
                 </a:blipFill>
               </p:spPr>
@@ -5913,8 +6047,8 @@
             </p:sp>
           </mc:Fallback>
         </mc:AlternateContent>
-        <mc:AlternateContent xmlns:mc="http://schemas.openxmlformats.org/markup-compatibility/2006" xmlns:a14="http://schemas.microsoft.com/office/drawing/2010/main">
-          <mc:Choice Requires="a14">
+        <mc:AlternateContent xmlns:mc="http://schemas.openxmlformats.org/markup-compatibility/2006">
+          <mc:Choice xmlns:a14="http://schemas.microsoft.com/office/drawing/2010/main" Requires="a14">
             <p:sp>
               <p:nvSpPr>
                 <p:cNvPr id="38" name="TextBox 37">
@@ -5985,7 +6119,13 @@
                           <a:rPr lang="en-US" b="0" i="1" smtClean="0">
                             <a:latin typeface="Cambria Math" panose="02040503050406030204" pitchFamily="18" charset="0"/>
                           </a:rPr>
-                          <m:t>+8</m:t>
+                          <m:t>+</m:t>
+                        </m:r>
+                        <m:r>
+                          <a:rPr lang="en-US" b="0" i="1" smtClean="0">
+                            <a:latin typeface="Cambria Math" panose="02040503050406030204" pitchFamily="18" charset="0"/>
+                          </a:rPr>
+                          <m:t>4</m:t>
                         </m:r>
                         <m:sSub>
                           <m:sSubPr>
@@ -6088,7 +6228,7 @@
               </p:txBody>
             </p:sp>
           </mc:Choice>
-          <mc:Fallback xmlns="">
+          <mc:Fallback>
             <p:sp>
               <p:nvSpPr>
                 <p:cNvPr id="38" name="TextBox 37">
@@ -6114,7 +6254,7 @@
                 <a:blipFill>
                   <a:blip r:embed="rId8"/>
                   <a:stretch>
-                    <a:fillRect l="-1279" r="-1706" b="-15556"/>
+                    <a:fillRect l="-1279" r="-1706" b="-15217"/>
                   </a:stretch>
                 </a:blipFill>
               </p:spPr>
@@ -6133,8 +6273,8 @@
             </p:sp>
           </mc:Fallback>
         </mc:AlternateContent>
-        <mc:AlternateContent xmlns:mc="http://schemas.openxmlformats.org/markup-compatibility/2006" xmlns:a14="http://schemas.microsoft.com/office/drawing/2010/main">
-          <mc:Choice Requires="a14">
+        <mc:AlternateContent xmlns:mc="http://schemas.openxmlformats.org/markup-compatibility/2006">
+          <mc:Choice xmlns:a14="http://schemas.microsoft.com/office/drawing/2010/main" Requires="a14">
             <p:sp>
               <p:nvSpPr>
                 <p:cNvPr id="39" name="TextBox 38">
@@ -6149,8 +6289,8 @@
               </p:nvSpPr>
               <p:spPr>
                 <a:xfrm>
-                  <a:off x="5090663" y="3033371"/>
-                  <a:ext cx="2731389" cy="276999"/>
+                  <a:off x="5723144" y="3024106"/>
+                  <a:ext cx="2098908" cy="276999"/>
                 </a:xfrm>
                 <a:prstGeom prst="rect">
                   <a:avLst/>
@@ -6198,37 +6338,6 @@
                                 <a:latin typeface="Cambria Math" panose="02040503050406030204" pitchFamily="18" charset="0"/>
                               </a:rPr>
                               <m:t>1</m:t>
-                            </m:r>
-                          </m:sub>
-                        </m:sSub>
-                        <m:r>
-                          <a:rPr lang="en-US" b="0" i="1" smtClean="0">
-                            <a:latin typeface="Cambria Math" panose="02040503050406030204" pitchFamily="18" charset="0"/>
-                          </a:rPr>
-                          <m:t>+4</m:t>
-                        </m:r>
-                        <m:sSub>
-                          <m:sSubPr>
-                            <m:ctrlPr>
-                              <a:rPr lang="en-US" b="0" i="1" smtClean="0">
-                                <a:latin typeface="Cambria Math" panose="02040503050406030204" pitchFamily="18" charset="0"/>
-                              </a:rPr>
-                            </m:ctrlPr>
-                          </m:sSubPr>
-                          <m:e>
-                            <m:r>
-                              <a:rPr lang="en-US" b="0" i="1" smtClean="0">
-                                <a:latin typeface="Cambria Math" panose="02040503050406030204" pitchFamily="18" charset="0"/>
-                              </a:rPr>
-                              <m:t>𝑥</m:t>
-                            </m:r>
-                          </m:e>
-                          <m:sub>
-                            <m:r>
-                              <a:rPr lang="en-US" b="0" i="1" smtClean="0">
-                                <a:latin typeface="Cambria Math" panose="02040503050406030204" pitchFamily="18" charset="0"/>
-                              </a:rPr>
-                              <m:t>2</m:t>
                             </m:r>
                           </m:sub>
                         </m:sSub>
@@ -6308,7 +6417,7 @@
               </p:txBody>
             </p:sp>
           </mc:Choice>
-          <mc:Fallback xmlns="">
+          <mc:Fallback>
             <p:sp>
               <p:nvSpPr>
                 <p:cNvPr id="39" name="TextBox 38">
@@ -6325,8 +6434,8 @@
               </p:nvSpPr>
               <p:spPr>
                 <a:xfrm>
-                  <a:off x="5090663" y="3033371"/>
-                  <a:ext cx="2731389" cy="276999"/>
+                  <a:off x="5723144" y="3024106"/>
+                  <a:ext cx="2098908" cy="276999"/>
                 </a:xfrm>
                 <a:prstGeom prst="rect">
                   <a:avLst/>
@@ -6334,7 +6443,7 @@
                 <a:blipFill>
                   <a:blip r:embed="rId9"/>
                   <a:stretch>
-                    <a:fillRect l="-1563" r="-1786" b="-15556"/>
+                    <a:fillRect l="-2326" r="-2616" b="-15556"/>
                   </a:stretch>
                 </a:blipFill>
               </p:spPr>
@@ -6473,7 +6582,7 @@
         <p:spPr>
           <a:xfrm>
             <a:off x="652804" y="1589098"/>
-            <a:ext cx="3524578" cy="4278094"/>
+            <a:ext cx="3524578" cy="4524315"/>
           </a:xfrm>
           <a:prstGeom prst="rect">
             <a:avLst/>
@@ -6559,7 +6668,27 @@
           <a:p>
             <a:r>
               <a:rPr lang="en-US" sz="1600" dirty="0"/>
-              <a:t>Copy any needed relevant code from the q01 solution files</a:t>
+              <a:t>Copy the two helper functions shown on the right to initialize the </a:t>
+            </a:r>
+            <a:r>
+              <a:rPr lang="en-US" sz="1600" b="1" dirty="0" err="1"/>
+              <a:t>coeffMatrix</a:t>
+            </a:r>
+            <a:r>
+              <a:rPr lang="en-US" sz="1600" dirty="0"/>
+              <a:t> and the </a:t>
+            </a:r>
+            <a:r>
+              <a:rPr lang="en-US" sz="1600" b="1" dirty="0" err="1"/>
+              <a:t>valueVector</a:t>
+            </a:r>
+            <a:r>
+              <a:rPr lang="en-US" sz="1600" dirty="0"/>
+              <a:t> variables in </a:t>
+            </a:r>
+            <a:r>
+              <a:rPr lang="en-US" sz="1600" b="1" dirty="0"/>
+              <a:t>main()</a:t>
             </a:r>
           </a:p>
         </p:txBody>
@@ -6640,7 +6769,7 @@
                   <a:srgbClr val="7030A0"/>
                 </a:solidFill>
               </a:rPr>
-              <a:t>20 pts</a:t>
+              <a:t>15 pts</a:t>
             </a:r>
           </a:p>
         </p:txBody>
@@ -6676,10 +6805,10 @@
       </p:sp>
       <p:pic>
         <p:nvPicPr>
-          <p:cNvPr id="4" name="Picture 3">
+          <p:cNvPr id="5" name="Picture 4">
             <a:extLst>
               <a:ext uri="{FF2B5EF4-FFF2-40B4-BE49-F238E27FC236}">
-                <a16:creationId xmlns:a16="http://schemas.microsoft.com/office/drawing/2014/main" id="{346064D6-69B8-4D42-9E0C-FB190EF72ACA}"/>
+                <a16:creationId xmlns:a16="http://schemas.microsoft.com/office/drawing/2014/main" id="{9C62E3CD-BBDD-4ABA-B996-DCBCC9001FB8}"/>
               </a:ext>
             </a:extLst>
           </p:cNvPr>
@@ -6696,8 +6825,8 @@
         </p:blipFill>
         <p:spPr>
           <a:xfrm>
-            <a:off x="4316770" y="1875897"/>
-            <a:ext cx="4282360" cy="3807452"/>
+            <a:off x="4326161" y="2390111"/>
+            <a:ext cx="4400000" cy="2819048"/>
           </a:xfrm>
           <a:prstGeom prst="rect">
             <a:avLst/>
@@ -6741,10 +6870,10 @@
       </p:grpSpPr>
       <p:pic>
         <p:nvPicPr>
-          <p:cNvPr id="8" name="Picture 7">
+          <p:cNvPr id="12" name="Picture 11">
             <a:extLst>
               <a:ext uri="{FF2B5EF4-FFF2-40B4-BE49-F238E27FC236}">
-                <a16:creationId xmlns:a16="http://schemas.microsoft.com/office/drawing/2014/main" id="{ACE0B52E-20D0-446D-8D76-8BFCDA5DF263}"/>
+                <a16:creationId xmlns:a16="http://schemas.microsoft.com/office/drawing/2014/main" id="{09027949-C6FD-4B2E-AE0B-3C96BEF8C16F}"/>
               </a:ext>
             </a:extLst>
           </p:cNvPr>
@@ -6761,8 +6890,8 @@
         </p:blipFill>
         <p:spPr>
           <a:xfrm>
-            <a:off x="4202968" y="1691126"/>
-            <a:ext cx="4304003" cy="3985188"/>
+            <a:off x="3880680" y="1470984"/>
+            <a:ext cx="5080717" cy="4650428"/>
           </a:xfrm>
           <a:prstGeom prst="rect">
             <a:avLst/>
@@ -6774,8 +6903,43 @@
           </a:ln>
         </p:spPr>
       </p:pic>
-      <mc:AlternateContent xmlns:mc="http://schemas.openxmlformats.org/markup-compatibility/2006" xmlns:a14="http://schemas.microsoft.com/office/drawing/2010/main">
-        <mc:Choice Requires="a14">
+      <p:pic>
+        <p:nvPicPr>
+          <p:cNvPr id="2" name="Picture 1">
+            <a:extLst>
+              <a:ext uri="{FF2B5EF4-FFF2-40B4-BE49-F238E27FC236}">
+                <a16:creationId xmlns:a16="http://schemas.microsoft.com/office/drawing/2014/main" id="{C8D6E710-7821-459B-B1CD-4390529E63DA}"/>
+              </a:ext>
+            </a:extLst>
+          </p:cNvPr>
+          <p:cNvPicPr>
+            <a:picLocks noChangeAspect="1"/>
+          </p:cNvPicPr>
+          <p:nvPr/>
+        </p:nvPicPr>
+        <p:blipFill>
+          <a:blip r:embed="rId3"/>
+          <a:stretch>
+            <a:fillRect/>
+          </a:stretch>
+        </p:blipFill>
+        <p:spPr>
+          <a:xfrm>
+            <a:off x="2016349" y="3231305"/>
+            <a:ext cx="1630189" cy="1669565"/>
+          </a:xfrm>
+          <a:prstGeom prst="rect">
+            <a:avLst/>
+          </a:prstGeom>
+          <a:ln>
+            <a:solidFill>
+              <a:schemeClr val="tx1"/>
+            </a:solidFill>
+          </a:ln>
+        </p:spPr>
+      </p:pic>
+      <mc:AlternateContent xmlns:mc="http://schemas.openxmlformats.org/markup-compatibility/2006">
+        <mc:Choice xmlns:a14="http://schemas.microsoft.com/office/drawing/2010/main" Requires="a14">
           <p:sp>
             <p:nvSpPr>
               <p:cNvPr id="22" name="TextBox 21">
@@ -6790,8 +6954,8 @@
             </p:nvSpPr>
             <p:spPr>
               <a:xfrm>
-                <a:off x="905460" y="1592652"/>
-                <a:ext cx="3033494" cy="1477328"/>
+                <a:off x="463007" y="1584475"/>
+                <a:ext cx="3471529" cy="1477328"/>
               </a:xfrm>
               <a:prstGeom prst="rect">
                 <a:avLst/>
@@ -6814,7 +6978,15 @@
                 </a:r>
                 <a:r>
                   <a:rPr lang="en-US" dirty="0"/>
-                  <a:t> folder, edit the C++ console application to calculate and display </a:t>
+                  <a:t> folder, edit the C++ console application to calculate and display the </a:t>
+                </a:r>
+                <a:r>
+                  <a:rPr lang="en-US" b="1" dirty="0"/>
+                  <a:t>Prime Counting Function</a:t>
+                </a:r>
+                <a:r>
+                  <a:rPr lang="en-US" dirty="0"/>
+                  <a:t> </a:t>
                 </a:r>
                 <a14:m>
                   <m:oMath xmlns:m="http://schemas.openxmlformats.org/officeDocument/2006/math">
@@ -6854,7 +7026,7 @@
             </p:txBody>
           </p:sp>
         </mc:Choice>
-        <mc:Fallback xmlns="">
+        <mc:Fallback>
           <p:sp>
             <p:nvSpPr>
               <p:cNvPr id="22" name="TextBox 21">
@@ -6871,16 +7043,16 @@
             </p:nvSpPr>
             <p:spPr>
               <a:xfrm>
-                <a:off x="905460" y="1592652"/>
-                <a:ext cx="3033494" cy="1477328"/>
+                <a:off x="463007" y="1584475"/>
+                <a:ext cx="3471529" cy="1477328"/>
               </a:xfrm>
               <a:prstGeom prst="rect">
                 <a:avLst/>
               </a:prstGeom>
               <a:blipFill>
-                <a:blip r:embed="rId3"/>
+                <a:blip r:embed="rId4"/>
                 <a:stretch>
-                  <a:fillRect l="-1811" t="-2058" r="-1006" b="-5350"/>
+                  <a:fillRect l="-1582" t="-2479" b="-5785"/>
                 </a:stretch>
               </a:blipFill>
             </p:spPr>
@@ -7002,7 +7174,7 @@
                 <a:avLst/>
               </a:prstGeom>
               <a:blipFill>
-                <a:blip r:embed="rId4"/>
+                <a:blip r:embed="rId5"/>
                 <a:stretch>
                   <a:fillRect t="-10526" b="-28947"/>
                 </a:stretch>
@@ -7038,14 +7210,14 @@
           <p:nvPr/>
         </p:nvPicPr>
         <p:blipFill rotWithShape="1">
-          <a:blip r:embed="rId5"/>
+          <a:blip r:embed="rId6"/>
           <a:srcRect b="36203"/>
           <a:stretch/>
         </p:blipFill>
         <p:spPr>
           <a:xfrm>
-            <a:off x="593138" y="3245972"/>
-            <a:ext cx="1103431" cy="1477328"/>
+            <a:off x="577901" y="3231305"/>
+            <a:ext cx="1250899" cy="1674765"/>
           </a:xfrm>
           <a:prstGeom prst="rect">
             <a:avLst/>
@@ -7092,7 +7264,7 @@
                   <a:srgbClr val="7030A0"/>
                 </a:solidFill>
               </a:rPr>
-              <a:t>15 pts</a:t>
+              <a:t>20 pts</a:t>
             </a:r>
           </a:p>
         </p:txBody>
@@ -7111,13 +7283,13 @@
         </p:nvSpPr>
         <p:spPr>
           <a:xfrm>
-            <a:off x="6608352" y="2514024"/>
+            <a:off x="7127651" y="2675349"/>
             <a:ext cx="1630188" cy="555956"/>
           </a:xfrm>
           <a:prstGeom prst="wedgeRectCallout">
             <a:avLst>
-              <a:gd name="adj1" fmla="val -73156"/>
-              <a:gd name="adj2" fmla="val 51225"/>
+              <a:gd name="adj1" fmla="val -90345"/>
+              <a:gd name="adj2" fmla="val 26023"/>
             </a:avLst>
           </a:prstGeom>
         </p:spPr>
@@ -7163,8 +7335,8 @@
         </p:nvSpPr>
         <p:spPr>
           <a:xfrm>
-            <a:off x="4572000" y="2352246"/>
-            <a:ext cx="1526345" cy="161778"/>
+            <a:off x="4597591" y="2691224"/>
+            <a:ext cx="2153541" cy="161778"/>
           </a:xfrm>
           <a:prstGeom prst="rect">
             <a:avLst/>
@@ -7230,36 +7402,6 @@
           </a:p>
         </p:txBody>
       </p:sp>
-      <p:pic>
-        <p:nvPicPr>
-          <p:cNvPr id="9" name="Picture 8">
-            <a:extLst>
-              <a:ext uri="{FF2B5EF4-FFF2-40B4-BE49-F238E27FC236}">
-                <a16:creationId xmlns:a16="http://schemas.microsoft.com/office/drawing/2014/main" id="{660FAA8E-B3A8-475C-8039-C397805860BF}"/>
-              </a:ext>
-            </a:extLst>
-          </p:cNvPr>
-          <p:cNvPicPr>
-            <a:picLocks noChangeAspect="1"/>
-          </p:cNvPicPr>
-          <p:nvPr/>
-        </p:nvPicPr>
-        <p:blipFill>
-          <a:blip r:embed="rId6"/>
-          <a:stretch>
-            <a:fillRect/>
-          </a:stretch>
-        </p:blipFill>
-        <p:spPr>
-          <a:xfrm>
-            <a:off x="2113596" y="3245972"/>
-            <a:ext cx="1685404" cy="1477329"/>
-          </a:xfrm>
-          <a:prstGeom prst="rect">
-            <a:avLst/>
-          </a:prstGeom>
-        </p:spPr>
-      </p:pic>
       <p:sp>
         <p:nvSpPr>
           <p:cNvPr id="10" name="TextBox 9">
@@ -7308,9 +7450,9 @@
           <p:nvPr/>
         </p:nvSpPr>
         <p:spPr>
-          <a:xfrm rot="18810699">
-            <a:off x="2513224" y="4936130"/>
-            <a:ext cx="891764" cy="105507"/>
+          <a:xfrm rot="18064789">
+            <a:off x="2562614" y="5048776"/>
+            <a:ext cx="584252" cy="105507"/>
           </a:xfrm>
           <a:prstGeom prst="rightArrow">
             <a:avLst/>
@@ -7379,8 +7521,8 @@
           <a:chExt cx="0" cy="0"/>
         </a:xfrm>
       </p:grpSpPr>
-      <mc:AlternateContent xmlns:mc="http://schemas.openxmlformats.org/markup-compatibility/2006" xmlns:a14="http://schemas.microsoft.com/office/drawing/2010/main">
-        <mc:Choice Requires="a14">
+      <mc:AlternateContent xmlns:mc="http://schemas.openxmlformats.org/markup-compatibility/2006">
+        <mc:Choice xmlns:a14="http://schemas.microsoft.com/office/drawing/2010/main" Requires="a14">
           <p:sp>
             <p:nvSpPr>
               <p:cNvPr id="4" name="TextBox 3">
@@ -7395,7 +7537,7 @@
             </p:nvSpPr>
             <p:spPr>
               <a:xfrm>
-                <a:off x="3288508" y="1445491"/>
+                <a:off x="5519482" y="1465871"/>
                 <a:ext cx="2566985" cy="619208"/>
               </a:xfrm>
               <a:prstGeom prst="rect">
@@ -7638,7 +7780,7 @@
             </p:txBody>
           </p:sp>
         </mc:Choice>
-        <mc:Fallback xmlns="">
+        <mc:Fallback>
           <p:sp>
             <p:nvSpPr>
               <p:cNvPr id="4" name="TextBox 3">
@@ -7655,7 +7797,7 @@
             </p:nvSpPr>
             <p:spPr>
               <a:xfrm>
-                <a:off x="3288508" y="1445491"/>
+                <a:off x="5519482" y="1465871"/>
                 <a:ext cx="2566985" cy="619208"/>
               </a:xfrm>
               <a:prstGeom prst="rect">
@@ -7683,348 +7825,6 @@
           </p:sp>
         </mc:Fallback>
       </mc:AlternateContent>
-      <p:pic>
-        <p:nvPicPr>
-          <p:cNvPr id="6" name="Picture 5">
-            <a:extLst>
-              <a:ext uri="{FF2B5EF4-FFF2-40B4-BE49-F238E27FC236}">
-                <a16:creationId xmlns:a16="http://schemas.microsoft.com/office/drawing/2014/main" id="{615DEDAF-1CAD-415A-A90C-6FC8693E32CB}"/>
-              </a:ext>
-            </a:extLst>
-          </p:cNvPr>
-          <p:cNvPicPr>
-            <a:picLocks noChangeAspect="1"/>
-          </p:cNvPicPr>
-          <p:nvPr/>
-        </p:nvPicPr>
-        <p:blipFill>
-          <a:blip r:embed="rId3"/>
-          <a:stretch>
-            <a:fillRect/>
-          </a:stretch>
-        </p:blipFill>
-        <p:spPr>
-          <a:xfrm>
-            <a:off x="1349655" y="2627263"/>
-            <a:ext cx="2522679" cy="1396098"/>
-          </a:xfrm>
-          <a:prstGeom prst="rect">
-            <a:avLst/>
-          </a:prstGeom>
-          <a:ln>
-            <a:solidFill>
-              <a:schemeClr val="tx1"/>
-            </a:solidFill>
-          </a:ln>
-        </p:spPr>
-      </p:pic>
-      <p:grpSp>
-        <p:nvGrpSpPr>
-          <p:cNvPr id="24" name="Group 23">
-            <a:extLst>
-              <a:ext uri="{FF2B5EF4-FFF2-40B4-BE49-F238E27FC236}">
-                <a16:creationId xmlns:a16="http://schemas.microsoft.com/office/drawing/2014/main" id="{511C0BFA-CD2B-4C84-A97F-B0B720CAC089}"/>
-              </a:ext>
-            </a:extLst>
-          </p:cNvPr>
-          <p:cNvGrpSpPr/>
-          <p:nvPr/>
-        </p:nvGrpSpPr>
-        <p:grpSpPr>
-          <a:xfrm>
-            <a:off x="4969615" y="2208391"/>
-            <a:ext cx="3389094" cy="2957245"/>
-            <a:chOff x="4405251" y="1988935"/>
-            <a:chExt cx="3389094" cy="2957245"/>
-          </a:xfrm>
-        </p:grpSpPr>
-        <p:pic>
-          <p:nvPicPr>
-            <p:cNvPr id="8" name="Picture 7">
-              <a:extLst>
-                <a:ext uri="{FF2B5EF4-FFF2-40B4-BE49-F238E27FC236}">
-                  <a16:creationId xmlns:a16="http://schemas.microsoft.com/office/drawing/2014/main" id="{0B8D7714-9D05-4078-A8B4-6D6ADD91D94B}"/>
-                </a:ext>
-              </a:extLst>
-            </p:cNvPr>
-            <p:cNvPicPr>
-              <a:picLocks noChangeAspect="1"/>
-            </p:cNvPicPr>
-            <p:nvPr/>
-          </p:nvPicPr>
-          <p:blipFill>
-            <a:blip r:embed="rId4"/>
-            <a:stretch>
-              <a:fillRect/>
-            </a:stretch>
-          </p:blipFill>
-          <p:spPr>
-            <a:xfrm>
-              <a:off x="4405251" y="2407807"/>
-              <a:ext cx="3021872" cy="2538373"/>
-            </a:xfrm>
-            <a:prstGeom prst="rect">
-              <a:avLst/>
-            </a:prstGeom>
-            <a:ln>
-              <a:solidFill>
-                <a:schemeClr val="tx1"/>
-              </a:solidFill>
-            </a:ln>
-          </p:spPr>
-        </p:pic>
-        <p:sp>
-          <p:nvSpPr>
-            <p:cNvPr id="9" name="Speech Bubble: Rectangle 8">
-              <a:extLst>
-                <a:ext uri="{FF2B5EF4-FFF2-40B4-BE49-F238E27FC236}">
-                  <a16:creationId xmlns:a16="http://schemas.microsoft.com/office/drawing/2014/main" id="{AC66C059-A3C7-4F18-B882-EB2015619732}"/>
-                </a:ext>
-              </a:extLst>
-            </p:cNvPr>
-            <p:cNvSpPr/>
-            <p:nvPr/>
-          </p:nvSpPr>
-          <p:spPr>
-            <a:xfrm>
-              <a:off x="5994446" y="2646810"/>
-              <a:ext cx="1630188" cy="555956"/>
-            </a:xfrm>
-            <a:prstGeom prst="wedgeRectCallout">
-              <a:avLst>
-                <a:gd name="adj1" fmla="val -124502"/>
-                <a:gd name="adj2" fmla="val -33542"/>
-              </a:avLst>
-            </a:prstGeom>
-          </p:spPr>
-          <p:style>
-            <a:lnRef idx="2">
-              <a:schemeClr val="accent1">
-                <a:shade val="50000"/>
-              </a:schemeClr>
-            </a:lnRef>
-            <a:fillRef idx="1">
-              <a:schemeClr val="accent1"/>
-            </a:fillRef>
-            <a:effectRef idx="0">
-              <a:schemeClr val="accent1"/>
-            </a:effectRef>
-            <a:fontRef idx="minor">
-              <a:schemeClr val="lt1"/>
-            </a:fontRef>
-          </p:style>
-          <p:txBody>
-            <a:bodyPr rtlCol="0" anchor="ctr"/>
-            <a:lstStyle/>
-            <a:p>
-              <a:pPr algn="ctr"/>
-              <a:r>
-                <a:rPr lang="en-US" sz="1600" dirty="0"/>
-                <a:t>You must write this function</a:t>
-              </a:r>
-            </a:p>
-          </p:txBody>
-        </p:sp>
-        <p:sp>
-          <p:nvSpPr>
-            <p:cNvPr id="10" name="Rectangle 9">
-              <a:extLst>
-                <a:ext uri="{FF2B5EF4-FFF2-40B4-BE49-F238E27FC236}">
-                  <a16:creationId xmlns:a16="http://schemas.microsoft.com/office/drawing/2014/main" id="{67464D35-895F-4439-95DD-304335DB9FD7}"/>
-                </a:ext>
-              </a:extLst>
-            </p:cNvPr>
-            <p:cNvSpPr/>
-            <p:nvPr/>
-          </p:nvSpPr>
-          <p:spPr>
-            <a:xfrm>
-              <a:off x="6408115" y="4059936"/>
-              <a:ext cx="197511" cy="175565"/>
-            </a:xfrm>
-            <a:prstGeom prst="rect">
-              <a:avLst/>
-            </a:prstGeom>
-            <a:noFill/>
-            <a:ln>
-              <a:solidFill>
-                <a:schemeClr val="bg1"/>
-              </a:solidFill>
-            </a:ln>
-          </p:spPr>
-          <p:style>
-            <a:lnRef idx="2">
-              <a:schemeClr val="accent1">
-                <a:shade val="50000"/>
-              </a:schemeClr>
-            </a:lnRef>
-            <a:fillRef idx="1">
-              <a:schemeClr val="accent1"/>
-            </a:fillRef>
-            <a:effectRef idx="0">
-              <a:schemeClr val="accent1"/>
-            </a:effectRef>
-            <a:fontRef idx="minor">
-              <a:schemeClr val="lt1"/>
-            </a:fontRef>
-          </p:style>
-          <p:txBody>
-            <a:bodyPr rtlCol="0" anchor="ctr"/>
-            <a:lstStyle/>
-            <a:p>
-              <a:pPr algn="ctr"/>
-              <a:endParaRPr lang="en-US"/>
-            </a:p>
-          </p:txBody>
-        </p:sp>
-        <p:cxnSp>
-          <p:nvCxnSpPr>
-            <p:cNvPr id="12" name="Connector: Elbow 11">
-              <a:extLst>
-                <a:ext uri="{FF2B5EF4-FFF2-40B4-BE49-F238E27FC236}">
-                  <a16:creationId xmlns:a16="http://schemas.microsoft.com/office/drawing/2014/main" id="{A6614B1A-49C2-4D50-AC01-FB7E9B3D0F3C}"/>
-                </a:ext>
-              </a:extLst>
-            </p:cNvPr>
-            <p:cNvCxnSpPr>
-              <a:cxnSpLocks/>
-              <a:stCxn id="10" idx="3"/>
-              <a:endCxn id="15" idx="2"/>
-            </p:cNvCxnSpPr>
-            <p:nvPr/>
-          </p:nvCxnSpPr>
-          <p:spPr>
-            <a:xfrm flipV="1">
-              <a:off x="6605626" y="2164500"/>
-              <a:ext cx="1089964" cy="1983219"/>
-            </a:xfrm>
-            <a:prstGeom prst="bentConnector2">
-              <a:avLst/>
-            </a:prstGeom>
-            <a:ln w="19050">
-              <a:solidFill>
-                <a:srgbClr val="FF0000"/>
-              </a:solidFill>
-              <a:headEnd type="none" w="med" len="med"/>
-              <a:tailEnd type="none" w="med" len="med"/>
-            </a:ln>
-          </p:spPr>
-          <p:style>
-            <a:lnRef idx="1">
-              <a:schemeClr val="accent1"/>
-            </a:lnRef>
-            <a:fillRef idx="0">
-              <a:schemeClr val="accent1"/>
-            </a:fillRef>
-            <a:effectRef idx="0">
-              <a:schemeClr val="accent1"/>
-            </a:effectRef>
-            <a:fontRef idx="minor">
-              <a:schemeClr val="tx1"/>
-            </a:fontRef>
-          </p:style>
-        </p:cxnSp>
-        <p:sp>
-          <p:nvSpPr>
-            <p:cNvPr id="15" name="Rectangle 14">
-              <a:extLst>
-                <a:ext uri="{FF2B5EF4-FFF2-40B4-BE49-F238E27FC236}">
-                  <a16:creationId xmlns:a16="http://schemas.microsoft.com/office/drawing/2014/main" id="{45CFA1DC-4A50-4EC9-88D5-0613108B892F}"/>
-                </a:ext>
-              </a:extLst>
-            </p:cNvPr>
-            <p:cNvSpPr/>
-            <p:nvPr/>
-          </p:nvSpPr>
-          <p:spPr>
-            <a:xfrm>
-              <a:off x="7596834" y="1988935"/>
-              <a:ext cx="197511" cy="175565"/>
-            </a:xfrm>
-            <a:prstGeom prst="rect">
-              <a:avLst/>
-            </a:prstGeom>
-            <a:noFill/>
-            <a:ln>
-              <a:solidFill>
-                <a:schemeClr val="bg1"/>
-              </a:solidFill>
-            </a:ln>
-          </p:spPr>
-          <p:style>
-            <a:lnRef idx="2">
-              <a:schemeClr val="accent1">
-                <a:shade val="50000"/>
-              </a:schemeClr>
-            </a:lnRef>
-            <a:fillRef idx="1">
-              <a:schemeClr val="accent1"/>
-            </a:fillRef>
-            <a:effectRef idx="0">
-              <a:schemeClr val="accent1"/>
-            </a:effectRef>
-            <a:fontRef idx="minor">
-              <a:schemeClr val="lt1"/>
-            </a:fontRef>
-          </p:style>
-          <p:txBody>
-            <a:bodyPr rtlCol="0" anchor="ctr"/>
-            <a:lstStyle/>
-            <a:p>
-              <a:pPr algn="ctr"/>
-              <a:endParaRPr lang="en-US"/>
-            </a:p>
-          </p:txBody>
-        </p:sp>
-        <p:cxnSp>
-          <p:nvCxnSpPr>
-            <p:cNvPr id="17" name="Connector: Elbow 16">
-              <a:extLst>
-                <a:ext uri="{FF2B5EF4-FFF2-40B4-BE49-F238E27FC236}">
-                  <a16:creationId xmlns:a16="http://schemas.microsoft.com/office/drawing/2014/main" id="{5388D9AC-D192-47BD-988A-D96EE86D271C}"/>
-                </a:ext>
-              </a:extLst>
-            </p:cNvPr>
-            <p:cNvCxnSpPr>
-              <a:cxnSpLocks/>
-              <a:stCxn id="15" idx="2"/>
-              <a:endCxn id="8" idx="0"/>
-            </p:cNvCxnSpPr>
-            <p:nvPr/>
-          </p:nvCxnSpPr>
-          <p:spPr>
-            <a:xfrm rot="5400000">
-              <a:off x="6684236" y="1396452"/>
-              <a:ext cx="243307" cy="1779403"/>
-            </a:xfrm>
-            <a:prstGeom prst="bentConnector3">
-              <a:avLst>
-                <a:gd name="adj1" fmla="val -32211"/>
-              </a:avLst>
-            </a:prstGeom>
-            <a:ln w="19050">
-              <a:solidFill>
-                <a:srgbClr val="FF0000"/>
-              </a:solidFill>
-              <a:tailEnd type="triangle"/>
-            </a:ln>
-          </p:spPr>
-          <p:style>
-            <a:lnRef idx="1">
-              <a:schemeClr val="accent1"/>
-            </a:lnRef>
-            <a:fillRef idx="0">
-              <a:schemeClr val="accent1"/>
-            </a:fillRef>
-            <a:effectRef idx="0">
-              <a:schemeClr val="accent1"/>
-            </a:effectRef>
-            <a:fontRef idx="minor">
-              <a:schemeClr val="tx1"/>
-            </a:fontRef>
-          </p:style>
-        </p:cxnSp>
-      </p:grpSp>
       <mc:AlternateContent xmlns:mc="http://schemas.openxmlformats.org/markup-compatibility/2006">
         <mc:Choice xmlns:a14="http://schemas.microsoft.com/office/drawing/2010/main" Requires="a14">
           <p:sp>
@@ -8041,7 +7841,7 @@
             </p:nvSpPr>
             <p:spPr>
               <a:xfrm>
-                <a:off x="1176475" y="4803852"/>
+                <a:off x="1176475" y="4962878"/>
                 <a:ext cx="2869037" cy="1200329"/>
               </a:xfrm>
               <a:prstGeom prst="rect">
@@ -8171,14 +7971,14 @@
             </p:nvSpPr>
             <p:spPr>
               <a:xfrm>
-                <a:off x="1176475" y="4803852"/>
+                <a:off x="1176475" y="4962878"/>
                 <a:ext cx="2869037" cy="1200329"/>
               </a:xfrm>
               <a:prstGeom prst="rect">
                 <a:avLst/>
               </a:prstGeom>
               <a:blipFill>
-                <a:blip r:embed="rId5"/>
+                <a:blip r:embed="rId3"/>
                 <a:stretch>
                   <a:fillRect l="-1699" t="-2538" r="-1699" b="-7107"/>
                 </a:stretch>
@@ -8309,6 +8109,452 @@
           </a:p>
         </p:txBody>
       </p:sp>
+      <p:pic>
+        <p:nvPicPr>
+          <p:cNvPr id="3" name="Picture 2">
+            <a:extLst>
+              <a:ext uri="{FF2B5EF4-FFF2-40B4-BE49-F238E27FC236}">
+                <a16:creationId xmlns:a16="http://schemas.microsoft.com/office/drawing/2014/main" id="{2D8C286C-8C22-4F12-8F78-26C08AE7F097}"/>
+              </a:ext>
+            </a:extLst>
+          </p:cNvPr>
+          <p:cNvPicPr>
+            <a:picLocks noChangeAspect="1"/>
+          </p:cNvPicPr>
+          <p:nvPr/>
+        </p:nvPicPr>
+        <p:blipFill rotWithShape="1">
+          <a:blip r:embed="rId4"/>
+          <a:srcRect b="65992"/>
+          <a:stretch/>
+        </p:blipFill>
+        <p:spPr>
+          <a:xfrm>
+            <a:off x="208953" y="2460178"/>
+            <a:ext cx="4264755" cy="2306096"/>
+          </a:xfrm>
+          <a:prstGeom prst="rect">
+            <a:avLst/>
+          </a:prstGeom>
+          <a:ln>
+            <a:solidFill>
+              <a:schemeClr val="tx1"/>
+            </a:solidFill>
+          </a:ln>
+        </p:spPr>
+      </p:pic>
+      <p:pic>
+        <p:nvPicPr>
+          <p:cNvPr id="5" name="Picture 4">
+            <a:extLst>
+              <a:ext uri="{FF2B5EF4-FFF2-40B4-BE49-F238E27FC236}">
+                <a16:creationId xmlns:a16="http://schemas.microsoft.com/office/drawing/2014/main" id="{38BE70D5-E8C8-4529-8405-838BFC8C85D3}"/>
+              </a:ext>
+            </a:extLst>
+          </p:cNvPr>
+          <p:cNvPicPr>
+            <a:picLocks noChangeAspect="1"/>
+          </p:cNvPicPr>
+          <p:nvPr/>
+        </p:nvPicPr>
+        <p:blipFill rotWithShape="1">
+          <a:blip r:embed="rId5"/>
+          <a:srcRect t="35574" b="25353"/>
+          <a:stretch/>
+        </p:blipFill>
+        <p:spPr>
+          <a:xfrm>
+            <a:off x="4670294" y="2460178"/>
+            <a:ext cx="4265360" cy="2648171"/>
+          </a:xfrm>
+          <a:prstGeom prst="rect">
+            <a:avLst/>
+          </a:prstGeom>
+          <a:ln>
+            <a:solidFill>
+              <a:schemeClr val="tx1"/>
+            </a:solidFill>
+          </a:ln>
+        </p:spPr>
+      </p:pic>
+      <mc:AlternateContent xmlns:mc="http://schemas.openxmlformats.org/markup-compatibility/2006">
+        <mc:Choice xmlns:a14="http://schemas.microsoft.com/office/drawing/2010/main" Requires="a14">
+          <p:sp>
+            <p:nvSpPr>
+              <p:cNvPr id="16" name="Rectangle 15">
+                <a:extLst>
+                  <a:ext uri="{FF2B5EF4-FFF2-40B4-BE49-F238E27FC236}">
+                    <a16:creationId xmlns:a16="http://schemas.microsoft.com/office/drawing/2014/main" id="{EB9F5CAE-91FE-48F6-B703-FB273841AE4E}"/>
+                  </a:ext>
+                </a:extLst>
+              </p:cNvPr>
+              <p:cNvSpPr/>
+              <p:nvPr/>
+            </p:nvSpPr>
+            <p:spPr>
+              <a:xfrm>
+                <a:off x="998525" y="1351673"/>
+                <a:ext cx="2419430" cy="847604"/>
+              </a:xfrm>
+              <a:prstGeom prst="rect">
+                <a:avLst/>
+              </a:prstGeom>
+            </p:spPr>
+            <p:txBody>
+              <a:bodyPr wrap="square">
+                <a:spAutoFit/>
+              </a:bodyPr>
+              <a:lstStyle/>
+              <a:p>
+                <a14:m>
+                  <m:oMathPara xmlns:m="http://schemas.openxmlformats.org/officeDocument/2006/math">
+                    <m:oMathParaPr>
+                      <m:jc m:val="centerGroup"/>
+                    </m:oMathParaPr>
+                    <m:oMath xmlns:m="http://schemas.openxmlformats.org/officeDocument/2006/math">
+                      <m:r>
+                        <a:rPr lang="en-US" b="0" i="1" smtClean="0">
+                          <a:solidFill>
+                            <a:schemeClr val="tx1"/>
+                          </a:solidFill>
+                          <a:latin typeface="Cambria Math" panose="02040503050406030204" pitchFamily="18" charset="0"/>
+                          <a:ea typeface="Cambria Math" panose="02040503050406030204" pitchFamily="18" charset="0"/>
+                        </a:rPr>
+                        <m:t>𝜂</m:t>
+                      </m:r>
+                      <m:d>
+                        <m:dPr>
+                          <m:ctrlPr>
+                            <a:rPr lang="en-US" i="1">
+                              <a:latin typeface="Cambria Math" panose="02040503050406030204" pitchFamily="18" charset="0"/>
+                              <a:ea typeface="Cambria Math" panose="02040503050406030204" pitchFamily="18" charset="0"/>
+                            </a:rPr>
+                          </m:ctrlPr>
+                        </m:dPr>
+                        <m:e>
+                          <m:r>
+                            <a:rPr lang="en-US" i="1">
+                              <a:latin typeface="Cambria Math" panose="02040503050406030204" pitchFamily="18" charset="0"/>
+                              <a:ea typeface="Cambria Math" panose="02040503050406030204" pitchFamily="18" charset="0"/>
+                            </a:rPr>
+                            <m:t>𝑠</m:t>
+                          </m:r>
+                        </m:e>
+                      </m:d>
+                      <m:r>
+                        <a:rPr lang="en-US" i="1">
+                          <a:latin typeface="Cambria Math" panose="02040503050406030204" pitchFamily="18" charset="0"/>
+                          <a:ea typeface="Cambria Math" panose="02040503050406030204" pitchFamily="18" charset="0"/>
+                        </a:rPr>
+                        <m:t>=</m:t>
+                      </m:r>
+                      <m:nary>
+                        <m:naryPr>
+                          <m:chr m:val="∑"/>
+                          <m:ctrlPr>
+                            <a:rPr lang="en-US" i="1">
+                              <a:latin typeface="Cambria Math" panose="02040503050406030204" pitchFamily="18" charset="0"/>
+                            </a:rPr>
+                          </m:ctrlPr>
+                        </m:naryPr>
+                        <m:sub>
+                          <m:r>
+                            <m:rPr>
+                              <m:brk m:alnAt="23"/>
+                            </m:rPr>
+                            <a:rPr lang="en-US" i="1">
+                              <a:latin typeface="Cambria Math" panose="02040503050406030204" pitchFamily="18" charset="0"/>
+                            </a:rPr>
+                            <m:t>𝑛</m:t>
+                          </m:r>
+                          <m:r>
+                            <a:rPr lang="en-US" i="1">
+                              <a:latin typeface="Cambria Math" panose="02040503050406030204" pitchFamily="18" charset="0"/>
+                            </a:rPr>
+                            <m:t>=1</m:t>
+                          </m:r>
+                        </m:sub>
+                        <m:sup>
+                          <m:r>
+                            <a:rPr lang="en-US" i="1">
+                              <a:latin typeface="Cambria Math" panose="02040503050406030204" pitchFamily="18" charset="0"/>
+                              <a:ea typeface="Cambria Math" panose="02040503050406030204" pitchFamily="18" charset="0"/>
+                            </a:rPr>
+                            <m:t>∞</m:t>
+                          </m:r>
+                        </m:sup>
+                        <m:e>
+                          <m:f>
+                            <m:fPr>
+                              <m:ctrlPr>
+                                <a:rPr lang="en-US" i="1">
+                                  <a:latin typeface="Cambria Math" panose="02040503050406030204" pitchFamily="18" charset="0"/>
+                                </a:rPr>
+                              </m:ctrlPr>
+                            </m:fPr>
+                            <m:num>
+                              <m:sSup>
+                                <m:sSupPr>
+                                  <m:ctrlPr>
+                                    <a:rPr lang="en-US" i="1">
+                                      <a:latin typeface="Cambria Math" panose="02040503050406030204" pitchFamily="18" charset="0"/>
+                                    </a:rPr>
+                                  </m:ctrlPr>
+                                </m:sSupPr>
+                                <m:e>
+                                  <m:r>
+                                    <a:rPr lang="en-US" i="1">
+                                      <a:latin typeface="Cambria Math" panose="02040503050406030204" pitchFamily="18" charset="0"/>
+                                    </a:rPr>
+                                    <m:t>(−1)</m:t>
+                                  </m:r>
+                                </m:e>
+                                <m:sup>
+                                  <m:r>
+                                    <a:rPr lang="en-US" i="1">
+                                      <a:latin typeface="Cambria Math" panose="02040503050406030204" pitchFamily="18" charset="0"/>
+                                    </a:rPr>
+                                    <m:t>𝑛</m:t>
+                                  </m:r>
+                                  <m:r>
+                                    <a:rPr lang="en-US" i="1">
+                                      <a:latin typeface="Cambria Math" panose="02040503050406030204" pitchFamily="18" charset="0"/>
+                                    </a:rPr>
+                                    <m:t>−1</m:t>
+                                  </m:r>
+                                </m:sup>
+                              </m:sSup>
+                            </m:num>
+                            <m:den>
+                              <m:sSup>
+                                <m:sSupPr>
+                                  <m:ctrlPr>
+                                    <a:rPr lang="en-US" i="1">
+                                      <a:latin typeface="Cambria Math" panose="02040503050406030204" pitchFamily="18" charset="0"/>
+                                    </a:rPr>
+                                  </m:ctrlPr>
+                                </m:sSupPr>
+                                <m:e>
+                                  <m:r>
+                                    <a:rPr lang="en-US" i="1">
+                                      <a:latin typeface="Cambria Math" panose="02040503050406030204" pitchFamily="18" charset="0"/>
+                                    </a:rPr>
+                                    <m:t>𝑛</m:t>
+                                  </m:r>
+                                </m:e>
+                                <m:sup>
+                                  <m:r>
+                                    <a:rPr lang="en-US" i="1">
+                                      <a:latin typeface="Cambria Math" panose="02040503050406030204" pitchFamily="18" charset="0"/>
+                                    </a:rPr>
+                                    <m:t>𝑠</m:t>
+                                  </m:r>
+                                </m:sup>
+                              </m:sSup>
+                            </m:den>
+                          </m:f>
+                        </m:e>
+                      </m:nary>
+                    </m:oMath>
+                  </m:oMathPara>
+                </a14:m>
+                <a:endParaRPr lang="en-US" dirty="0"/>
+              </a:p>
+            </p:txBody>
+          </p:sp>
+        </mc:Choice>
+        <mc:Fallback>
+          <p:sp>
+            <p:nvSpPr>
+              <p:cNvPr id="16" name="Rectangle 15">
+                <a:extLst>
+                  <a:ext uri="{FF2B5EF4-FFF2-40B4-BE49-F238E27FC236}">
+                    <a16:creationId xmlns:a16="http://schemas.microsoft.com/office/drawing/2014/main" id="{EB9F5CAE-91FE-48F6-B703-FB273841AE4E}"/>
+                  </a:ext>
+                </a:extLst>
+              </p:cNvPr>
+              <p:cNvSpPr>
+                <a:spLocks noRot="1" noChangeAspect="1" noMove="1" noResize="1" noEditPoints="1" noAdjustHandles="1" noChangeArrowheads="1" noChangeShapeType="1" noTextEdit="1"/>
+              </p:cNvSpPr>
+              <p:nvPr/>
+            </p:nvSpPr>
+            <p:spPr>
+              <a:xfrm>
+                <a:off x="998525" y="1351673"/>
+                <a:ext cx="2419430" cy="847604"/>
+              </a:xfrm>
+              <a:prstGeom prst="rect">
+                <a:avLst/>
+              </a:prstGeom>
+              <a:blipFill>
+                <a:blip r:embed="rId6"/>
+                <a:stretch>
+                  <a:fillRect/>
+                </a:stretch>
+              </a:blipFill>
+            </p:spPr>
+            <p:txBody>
+              <a:bodyPr/>
+              <a:lstStyle/>
+              <a:p>
+                <a:r>
+                  <a:rPr lang="en-US">
+                    <a:noFill/>
+                  </a:rPr>
+                  <a:t> </a:t>
+                </a:r>
+              </a:p>
+            </p:txBody>
+          </p:sp>
+        </mc:Fallback>
+      </mc:AlternateContent>
+      <p:sp>
+        <p:nvSpPr>
+          <p:cNvPr id="18" name="Rectangle 17">
+            <a:extLst>
+              <a:ext uri="{FF2B5EF4-FFF2-40B4-BE49-F238E27FC236}">
+                <a16:creationId xmlns:a16="http://schemas.microsoft.com/office/drawing/2014/main" id="{53BC1609-3B4A-47BB-902D-5928D864DBFB}"/>
+              </a:ext>
+            </a:extLst>
+          </p:cNvPr>
+          <p:cNvSpPr/>
+          <p:nvPr/>
+        </p:nvSpPr>
+        <p:spPr>
+          <a:xfrm>
+            <a:off x="6718852" y="1351673"/>
+            <a:ext cx="1494845" cy="906497"/>
+          </a:xfrm>
+          <a:prstGeom prst="rect">
+            <a:avLst/>
+          </a:prstGeom>
+          <a:noFill/>
+          <a:ln w="28575">
+            <a:noFill/>
+          </a:ln>
+        </p:spPr>
+        <p:style>
+          <a:lnRef idx="2">
+            <a:schemeClr val="accent1">
+              <a:shade val="50000"/>
+            </a:schemeClr>
+          </a:lnRef>
+          <a:fillRef idx="1">
+            <a:schemeClr val="accent1"/>
+          </a:fillRef>
+          <a:effectRef idx="0">
+            <a:schemeClr val="accent1"/>
+          </a:effectRef>
+          <a:fontRef idx="minor">
+            <a:schemeClr val="lt1"/>
+          </a:fontRef>
+        </p:style>
+        <p:txBody>
+          <a:bodyPr rtlCol="0" anchor="ctr"/>
+          <a:lstStyle/>
+          <a:p>
+            <a:pPr algn="ctr"/>
+            <a:endParaRPr lang="en-US"/>
+          </a:p>
+        </p:txBody>
+      </p:sp>
+      <p:sp>
+        <p:nvSpPr>
+          <p:cNvPr id="19" name="Rectangle 18">
+            <a:extLst>
+              <a:ext uri="{FF2B5EF4-FFF2-40B4-BE49-F238E27FC236}">
+                <a16:creationId xmlns:a16="http://schemas.microsoft.com/office/drawing/2014/main" id="{FD55CA7F-0D4C-41BB-88E9-6197E55FDB35}"/>
+              </a:ext>
+            </a:extLst>
+          </p:cNvPr>
+          <p:cNvSpPr/>
+          <p:nvPr/>
+        </p:nvSpPr>
+        <p:spPr>
+          <a:xfrm>
+            <a:off x="5669280" y="2743200"/>
+            <a:ext cx="1534602" cy="214685"/>
+          </a:xfrm>
+          <a:prstGeom prst="rect">
+            <a:avLst/>
+          </a:prstGeom>
+          <a:noFill/>
+          <a:ln>
+            <a:noFill/>
+          </a:ln>
+        </p:spPr>
+        <p:style>
+          <a:lnRef idx="2">
+            <a:schemeClr val="accent1">
+              <a:shade val="50000"/>
+            </a:schemeClr>
+          </a:lnRef>
+          <a:fillRef idx="1">
+            <a:schemeClr val="accent1"/>
+          </a:fillRef>
+          <a:effectRef idx="0">
+            <a:schemeClr val="accent1"/>
+          </a:effectRef>
+          <a:fontRef idx="minor">
+            <a:schemeClr val="lt1"/>
+          </a:fontRef>
+        </p:style>
+        <p:txBody>
+          <a:bodyPr rtlCol="0" anchor="ctr"/>
+          <a:lstStyle/>
+          <a:p>
+            <a:pPr algn="ctr"/>
+            <a:endParaRPr lang="en-US"/>
+          </a:p>
+        </p:txBody>
+      </p:sp>
+      <p:cxnSp>
+        <p:nvCxnSpPr>
+          <p:cNvPr id="21" name="Connector: Elbow 20">
+            <a:extLst>
+              <a:ext uri="{FF2B5EF4-FFF2-40B4-BE49-F238E27FC236}">
+                <a16:creationId xmlns:a16="http://schemas.microsoft.com/office/drawing/2014/main" id="{2F2E7F05-C0CC-42B5-A09D-FAE52CE06F8A}"/>
+              </a:ext>
+            </a:extLst>
+          </p:cNvPr>
+          <p:cNvCxnSpPr>
+            <a:stCxn id="19" idx="3"/>
+            <a:endCxn id="18" idx="3"/>
+          </p:cNvCxnSpPr>
+          <p:nvPr/>
+        </p:nvCxnSpPr>
+        <p:spPr>
+          <a:xfrm flipV="1">
+            <a:off x="7203882" y="1804922"/>
+            <a:ext cx="1009815" cy="1045621"/>
+          </a:xfrm>
+          <a:prstGeom prst="bentConnector3">
+            <a:avLst>
+              <a:gd name="adj1" fmla="val 122638"/>
+            </a:avLst>
+          </a:prstGeom>
+          <a:ln w="28575">
+            <a:solidFill>
+              <a:srgbClr val="FF0000"/>
+            </a:solidFill>
+            <a:tailEnd type="triangle"/>
+          </a:ln>
+        </p:spPr>
+        <p:style>
+          <a:lnRef idx="1">
+            <a:schemeClr val="accent1"/>
+          </a:lnRef>
+          <a:fillRef idx="0">
+            <a:schemeClr val="accent1"/>
+          </a:fillRef>
+          <a:effectRef idx="0">
+            <a:schemeClr val="accent1"/>
+          </a:effectRef>
+          <a:fontRef idx="minor">
+            <a:schemeClr val="tx1"/>
+          </a:fontRef>
+        </p:style>
+      </p:cxnSp>
     </p:spTree>
     <p:extLst>
       <p:ext uri="{BB962C8B-B14F-4D97-AF65-F5344CB8AC3E}">
@@ -8808,12 +9054,86 @@
           </mc:Fallback>
         </mc:AlternateContent>
       </p:grpSp>
+      <p:sp>
+        <p:nvSpPr>
+          <p:cNvPr id="19" name="TextBox 18">
+            <a:extLst>
+              <a:ext uri="{FF2B5EF4-FFF2-40B4-BE49-F238E27FC236}">
+                <a16:creationId xmlns:a16="http://schemas.microsoft.com/office/drawing/2014/main" id="{9E76E680-9ED3-42C4-B5B7-4E3C3C523FE9}"/>
+              </a:ext>
+            </a:extLst>
+          </p:cNvPr>
+          <p:cNvSpPr txBox="1"/>
+          <p:nvPr/>
+        </p:nvSpPr>
+        <p:spPr>
+          <a:xfrm>
+            <a:off x="577901" y="570586"/>
+            <a:ext cx="841248" cy="369332"/>
+          </a:xfrm>
+          <a:prstGeom prst="rect">
+            <a:avLst/>
+          </a:prstGeom>
+          <a:noFill/>
+          <a:ln w="12700">
+            <a:solidFill>
+              <a:srgbClr val="7030A0"/>
+            </a:solidFill>
+          </a:ln>
+        </p:spPr>
+        <p:txBody>
+          <a:bodyPr wrap="square" rtlCol="0">
+            <a:spAutoFit/>
+          </a:bodyPr>
+          <a:lstStyle/>
+          <a:p>
+            <a:pPr algn="ctr"/>
+            <a:r>
+              <a:rPr lang="en-US" b="1" dirty="0">
+                <a:solidFill>
+                  <a:srgbClr val="7030A0"/>
+                </a:solidFill>
+              </a:rPr>
+              <a:t>15 pts</a:t>
+            </a:r>
+          </a:p>
+        </p:txBody>
+      </p:sp>
+      <p:sp>
+        <p:nvSpPr>
+          <p:cNvPr id="6" name="Slide Number Placeholder 5">
+            <a:extLst>
+              <a:ext uri="{FF2B5EF4-FFF2-40B4-BE49-F238E27FC236}">
+                <a16:creationId xmlns:a16="http://schemas.microsoft.com/office/drawing/2014/main" id="{29486979-4C95-486A-A122-CE5A3D5AB947}"/>
+              </a:ext>
+            </a:extLst>
+          </p:cNvPr>
+          <p:cNvSpPr>
+            <a:spLocks noGrp="1"/>
+          </p:cNvSpPr>
+          <p:nvPr>
+            <p:ph type="sldNum" sz="quarter" idx="12"/>
+          </p:nvPr>
+        </p:nvSpPr>
+        <p:spPr/>
+        <p:txBody>
+          <a:bodyPr/>
+          <a:lstStyle/>
+          <a:p>
+            <a:fld id="{1AF7FFAD-783D-4810-A9CB-C51F00BE5B3E}" type="slidenum">
+              <a:rPr lang="en-US" smtClean="0"/>
+              <a:t>6</a:t>
+            </a:fld>
+            <a:endParaRPr lang="en-US"/>
+          </a:p>
+        </p:txBody>
+      </p:sp>
       <p:pic>
         <p:nvPicPr>
-          <p:cNvPr id="11" name="Picture 10">
+          <p:cNvPr id="4" name="Picture 3">
             <a:extLst>
               <a:ext uri="{FF2B5EF4-FFF2-40B4-BE49-F238E27FC236}">
-                <a16:creationId xmlns:a16="http://schemas.microsoft.com/office/drawing/2014/main" id="{A0AB245A-5323-4399-A314-676DF215E3E4}"/>
+                <a16:creationId xmlns:a16="http://schemas.microsoft.com/office/drawing/2014/main" id="{D2A2E4AA-F31D-4C2F-A438-47A1C449338D}"/>
               </a:ext>
             </a:extLst>
           </p:cNvPr>
@@ -8830,8 +9150,8 @@
         </p:blipFill>
         <p:spPr>
           <a:xfrm>
-            <a:off x="4758091" y="2225492"/>
-            <a:ext cx="3621919" cy="2217094"/>
+            <a:off x="4387543" y="1232748"/>
+            <a:ext cx="3302163" cy="5414012"/>
           </a:xfrm>
           <a:prstGeom prst="rect">
             <a:avLst/>
@@ -8845,73 +9165,30 @@
       </p:pic>
       <p:sp>
         <p:nvSpPr>
-          <p:cNvPr id="19" name="TextBox 18">
+          <p:cNvPr id="9" name="Rectangle 8">
             <a:extLst>
               <a:ext uri="{FF2B5EF4-FFF2-40B4-BE49-F238E27FC236}">
-                <a16:creationId xmlns:a16="http://schemas.microsoft.com/office/drawing/2014/main" id="{9E76E680-9ED3-42C4-B5B7-4E3C3C523FE9}"/>
+                <a16:creationId xmlns:a16="http://schemas.microsoft.com/office/drawing/2014/main" id="{741E5962-7F53-463E-9321-B7843CB9F678}"/>
               </a:ext>
             </a:extLst>
           </p:cNvPr>
-          <p:cNvSpPr txBox="1"/>
+          <p:cNvSpPr/>
           <p:nvPr/>
         </p:nvSpPr>
         <p:spPr>
           <a:xfrm>
-            <a:off x="577901" y="570586"/>
-            <a:ext cx="841248" cy="369332"/>
+            <a:off x="5502303" y="5924920"/>
+            <a:ext cx="1653871" cy="250897"/>
           </a:xfrm>
           <a:prstGeom prst="rect">
             <a:avLst/>
           </a:prstGeom>
           <a:noFill/>
-          <a:ln w="12700">
+          <a:ln w="38100">
             <a:solidFill>
-              <a:srgbClr val="7030A0"/>
+              <a:srgbClr val="FF0000"/>
             </a:solidFill>
           </a:ln>
-        </p:spPr>
-        <p:txBody>
-          <a:bodyPr wrap="square" rtlCol="0">
-            <a:spAutoFit/>
-          </a:bodyPr>
-          <a:lstStyle/>
-          <a:p>
-            <a:pPr algn="ctr"/>
-            <a:r>
-              <a:rPr lang="en-US" b="1" dirty="0">
-                <a:solidFill>
-                  <a:srgbClr val="7030A0"/>
-                </a:solidFill>
-              </a:rPr>
-              <a:t>15 pts</a:t>
-            </a:r>
-          </a:p>
-        </p:txBody>
-      </p:sp>
-      <p:sp>
-        <p:nvSpPr>
-          <p:cNvPr id="5" name="Speech Bubble: Rectangle with Corners Rounded 4">
-            <a:extLst>
-              <a:ext uri="{FF2B5EF4-FFF2-40B4-BE49-F238E27FC236}">
-                <a16:creationId xmlns:a16="http://schemas.microsoft.com/office/drawing/2014/main" id="{5325C9D4-F00F-4B08-BF69-3A9EE46FA45B}"/>
-              </a:ext>
-            </a:extLst>
-          </p:cNvPr>
-          <p:cNvSpPr/>
-          <p:nvPr/>
-        </p:nvSpPr>
-        <p:spPr>
-          <a:xfrm>
-            <a:off x="3686926" y="5005931"/>
-            <a:ext cx="2601546" cy="1142749"/>
-          </a:xfrm>
-          <a:prstGeom prst="wedgeRoundRectCallout">
-            <a:avLst>
-              <a:gd name="adj1" fmla="val -54484"/>
-              <a:gd name="adj2" fmla="val -124421"/>
-              <a:gd name="adj3" fmla="val 16667"/>
-            </a:avLst>
-          </a:prstGeom>
         </p:spPr>
         <p:style>
           <a:lnRef idx="2">
@@ -8934,45 +9211,6 @@
           <a:lstStyle/>
           <a:p>
             <a:pPr algn="ctr"/>
-            <a:r>
-              <a:rPr lang="en-US" b="1" dirty="0"/>
-              <a:t>This is something I personally discovered.</a:t>
-            </a:r>
-          </a:p>
-          <a:p>
-            <a:pPr algn="ctr"/>
-            <a:r>
-              <a:rPr lang="en-US" b="1" dirty="0"/>
-              <a:t> It reminds me of the Golden Ratio</a:t>
-            </a:r>
-          </a:p>
-        </p:txBody>
-      </p:sp>
-      <p:sp>
-        <p:nvSpPr>
-          <p:cNvPr id="6" name="Slide Number Placeholder 5">
-            <a:extLst>
-              <a:ext uri="{FF2B5EF4-FFF2-40B4-BE49-F238E27FC236}">
-                <a16:creationId xmlns:a16="http://schemas.microsoft.com/office/drawing/2014/main" id="{29486979-4C95-486A-A122-CE5A3D5AB947}"/>
-              </a:ext>
-            </a:extLst>
-          </p:cNvPr>
-          <p:cNvSpPr>
-            <a:spLocks noGrp="1"/>
-          </p:cNvSpPr>
-          <p:nvPr>
-            <p:ph type="sldNum" sz="quarter" idx="12"/>
-          </p:nvPr>
-        </p:nvSpPr>
-        <p:spPr/>
-        <p:txBody>
-          <a:bodyPr/>
-          <a:lstStyle/>
-          <a:p>
-            <a:fld id="{1AF7FFAD-783D-4810-A9CB-C51F00BE5B3E}" type="slidenum">
-              <a:rPr lang="en-US" smtClean="0"/>
-              <a:t>6</a:t>
-            </a:fld>
             <a:endParaRPr lang="en-US"/>
           </a:p>
         </p:txBody>
@@ -9007,6 +9245,41 @@
           <a:chExt cx="0" cy="0"/>
         </a:xfrm>
       </p:grpSpPr>
+      <p:pic>
+        <p:nvPicPr>
+          <p:cNvPr id="6" name="Picture 5">
+            <a:extLst>
+              <a:ext uri="{FF2B5EF4-FFF2-40B4-BE49-F238E27FC236}">
+                <a16:creationId xmlns:a16="http://schemas.microsoft.com/office/drawing/2014/main" id="{980E8BCD-C1F6-48D9-B5FF-A5804CDF3E26}"/>
+              </a:ext>
+            </a:extLst>
+          </p:cNvPr>
+          <p:cNvPicPr>
+            <a:picLocks noChangeAspect="1"/>
+          </p:cNvPicPr>
+          <p:nvPr/>
+        </p:nvPicPr>
+        <p:blipFill>
+          <a:blip r:embed="rId2"/>
+          <a:stretch>
+            <a:fillRect/>
+          </a:stretch>
+        </p:blipFill>
+        <p:spPr>
+          <a:xfrm>
+            <a:off x="4406984" y="1891019"/>
+            <a:ext cx="4362602" cy="4249174"/>
+          </a:xfrm>
+          <a:prstGeom prst="rect">
+            <a:avLst/>
+          </a:prstGeom>
+          <a:ln>
+            <a:solidFill>
+              <a:schemeClr val="tx1"/>
+            </a:solidFill>
+          </a:ln>
+        </p:spPr>
+      </p:pic>
       <p:sp>
         <p:nvSpPr>
           <p:cNvPr id="23" name="TextBox 22">
@@ -9043,8 +9316,8 @@
           </a:p>
         </p:txBody>
       </p:sp>
-      <mc:AlternateContent xmlns:mc="http://schemas.openxmlformats.org/markup-compatibility/2006" xmlns:a14="http://schemas.microsoft.com/office/drawing/2010/main">
-        <mc:Choice Requires="a14">
+      <mc:AlternateContent xmlns:mc="http://schemas.openxmlformats.org/markup-compatibility/2006">
+        <mc:Choice xmlns:a14="http://schemas.microsoft.com/office/drawing/2010/main" Requires="a14">
           <p:sp>
             <p:nvSpPr>
               <p:cNvPr id="4" name="TextBox 3">
@@ -9059,7 +9332,7 @@
             </p:nvSpPr>
             <p:spPr>
               <a:xfrm>
-                <a:off x="1312053" y="3707349"/>
+                <a:off x="1147038" y="3572177"/>
                 <a:ext cx="2234843" cy="616515"/>
               </a:xfrm>
               <a:prstGeom prst="rect">
@@ -9290,7 +9563,7 @@
             </p:txBody>
           </p:sp>
         </mc:Choice>
-        <mc:Fallback xmlns="">
+        <mc:Fallback>
           <p:sp>
             <p:nvSpPr>
               <p:cNvPr id="4" name="TextBox 3">
@@ -9307,14 +9580,14 @@
             </p:nvSpPr>
             <p:spPr>
               <a:xfrm>
-                <a:off x="1312053" y="3707349"/>
+                <a:off x="1147038" y="3572177"/>
                 <a:ext cx="2234843" cy="616515"/>
               </a:xfrm>
               <a:prstGeom prst="rect">
                 <a:avLst/>
               </a:prstGeom>
               <a:blipFill>
-                <a:blip r:embed="rId2"/>
+                <a:blip r:embed="rId3"/>
                 <a:stretch>
                   <a:fillRect/>
                 </a:stretch>
@@ -9335,8 +9608,8 @@
           </p:sp>
         </mc:Fallback>
       </mc:AlternateContent>
-      <mc:AlternateContent xmlns:mc="http://schemas.openxmlformats.org/markup-compatibility/2006" xmlns:a14="http://schemas.microsoft.com/office/drawing/2010/main">
-        <mc:Choice Requires="a14">
+      <mc:AlternateContent xmlns:mc="http://schemas.openxmlformats.org/markup-compatibility/2006">
+        <mc:Choice xmlns:a14="http://schemas.microsoft.com/office/drawing/2010/main" Requires="a14">
           <p:sp>
             <p:nvSpPr>
               <p:cNvPr id="5" name="TextBox 4">
@@ -9351,7 +9624,7 @@
             </p:nvSpPr>
             <p:spPr>
               <a:xfrm>
-                <a:off x="286950" y="2283867"/>
+                <a:off x="121934" y="2148695"/>
                 <a:ext cx="4285050" cy="1200329"/>
               </a:xfrm>
               <a:prstGeom prst="rect">
@@ -9376,15 +9649,7 @@
                 </a:r>
                 <a:r>
                   <a:rPr lang="en-US" dirty="0"/>
-                  <a:t> folder, edit the C++ console application to use Simpson’s Rule to </a:t>
-                </a:r>
-                <a:r>
-                  <a:rPr lang="en-US" i="1" dirty="0"/>
-                  <a:t>reasonably</a:t>
-                </a:r>
-                <a:r>
-                  <a:rPr lang="en-US" dirty="0"/>
-                  <a:t> estimate the area under the </a:t>
+                  <a:t> folder, edit the C++ console application to use Simpson’s Rule to estimate the area under the </a:t>
                 </a:r>
                 <a:r>
                   <a:rPr lang="en-US" b="1" dirty="0">
@@ -9450,7 +9715,7 @@
             </p:txBody>
           </p:sp>
         </mc:Choice>
-        <mc:Fallback xmlns="">
+        <mc:Fallback>
           <p:sp>
             <p:nvSpPr>
               <p:cNvPr id="5" name="TextBox 4">
@@ -9467,16 +9732,16 @@
             </p:nvSpPr>
             <p:spPr>
               <a:xfrm>
-                <a:off x="286950" y="2283867"/>
+                <a:off x="121934" y="2148695"/>
                 <a:ext cx="4285050" cy="1200329"/>
               </a:xfrm>
               <a:prstGeom prst="rect">
                 <a:avLst/>
               </a:prstGeom>
               <a:blipFill>
-                <a:blip r:embed="rId3"/>
+                <a:blip r:embed="rId4"/>
                 <a:stretch>
-                  <a:fillRect t="-3046" b="-7107"/>
+                  <a:fillRect t="-2538" b="-7107"/>
                 </a:stretch>
               </a:blipFill>
             </p:spPr>
@@ -9495,41 +9760,6 @@
           </p:sp>
         </mc:Fallback>
       </mc:AlternateContent>
-      <p:pic>
-        <p:nvPicPr>
-          <p:cNvPr id="8" name="Picture 7">
-            <a:extLst>
-              <a:ext uri="{FF2B5EF4-FFF2-40B4-BE49-F238E27FC236}">
-                <a16:creationId xmlns:a16="http://schemas.microsoft.com/office/drawing/2014/main" id="{A17F88D5-2CE1-4B6F-BE0F-290FFB00FFE6}"/>
-              </a:ext>
-            </a:extLst>
-          </p:cNvPr>
-          <p:cNvPicPr>
-            <a:picLocks noChangeAspect="1"/>
-          </p:cNvPicPr>
-          <p:nvPr/>
-        </p:nvPicPr>
-        <p:blipFill>
-          <a:blip r:embed="rId4"/>
-          <a:stretch>
-            <a:fillRect/>
-          </a:stretch>
-        </p:blipFill>
-        <p:spPr>
-          <a:xfrm>
-            <a:off x="4674137" y="2247472"/>
-            <a:ext cx="3443802" cy="2473449"/>
-          </a:xfrm>
-          <a:prstGeom prst="rect">
-            <a:avLst/>
-          </a:prstGeom>
-          <a:ln>
-            <a:solidFill>
-              <a:schemeClr val="tx1"/>
-            </a:solidFill>
-          </a:ln>
-        </p:spPr>
-      </p:pic>
       <p:sp>
         <p:nvSpPr>
           <p:cNvPr id="16" name="TextBox 15">
@@ -9577,10 +9807,87 @@
       </p:sp>
       <p:sp>
         <p:nvSpPr>
-          <p:cNvPr id="17" name="Speech Bubble: Rectangle 16">
+          <p:cNvPr id="2" name="TextBox 1">
             <a:extLst>
               <a:ext uri="{FF2B5EF4-FFF2-40B4-BE49-F238E27FC236}">
-                <a16:creationId xmlns:a16="http://schemas.microsoft.com/office/drawing/2014/main" id="{E29F1946-82B0-46C0-9661-690CF3FEE0CB}"/>
+                <a16:creationId xmlns:a16="http://schemas.microsoft.com/office/drawing/2014/main" id="{7211311B-ABB5-4B08-9563-E06B19A6DAF8}"/>
+              </a:ext>
+            </a:extLst>
+          </p:cNvPr>
+          <p:cNvSpPr txBox="1"/>
+          <p:nvPr/>
+        </p:nvSpPr>
+        <p:spPr>
+          <a:xfrm>
+            <a:off x="659727" y="4527693"/>
+            <a:ext cx="3209464" cy="1477328"/>
+          </a:xfrm>
+          <a:prstGeom prst="rect">
+            <a:avLst/>
+          </a:prstGeom>
+          <a:noFill/>
+        </p:spPr>
+        <p:txBody>
+          <a:bodyPr wrap="square" rtlCol="0">
+            <a:spAutoFit/>
+          </a:bodyPr>
+          <a:lstStyle/>
+          <a:p>
+            <a:pPr algn="ctr"/>
+            <a:r>
+              <a:rPr lang="en-US" dirty="0"/>
+              <a:t>Is this area the same as the probability of a normally distributed random variable falling within the </a:t>
+            </a:r>
+            <a:r>
+              <a:rPr lang="en-US" b="1" dirty="0">
+                <a:solidFill>
+                  <a:srgbClr val="7030A0"/>
+                </a:solidFill>
+              </a:rPr>
+              <a:t>first</a:t>
+            </a:r>
+            <a:r>
+              <a:rPr lang="en-US" dirty="0"/>
+              <a:t> standard deviation away from the mean?</a:t>
+            </a:r>
+          </a:p>
+        </p:txBody>
+      </p:sp>
+      <p:sp>
+        <p:nvSpPr>
+          <p:cNvPr id="3" name="Slide Number Placeholder 2">
+            <a:extLst>
+              <a:ext uri="{FF2B5EF4-FFF2-40B4-BE49-F238E27FC236}">
+                <a16:creationId xmlns:a16="http://schemas.microsoft.com/office/drawing/2014/main" id="{F5B5B54B-B901-4CC8-B8B0-8E2FF540ED31}"/>
+              </a:ext>
+            </a:extLst>
+          </p:cNvPr>
+          <p:cNvSpPr>
+            <a:spLocks noGrp="1"/>
+          </p:cNvSpPr>
+          <p:nvPr>
+            <p:ph type="sldNum" sz="quarter" idx="12"/>
+          </p:nvPr>
+        </p:nvSpPr>
+        <p:spPr/>
+        <p:txBody>
+          <a:bodyPr/>
+          <a:lstStyle/>
+          <a:p>
+            <a:fld id="{1AF7FFAD-783D-4810-A9CB-C51F00BE5B3E}" type="slidenum">
+              <a:rPr lang="en-US" smtClean="0"/>
+              <a:t>7</a:t>
+            </a:fld>
+            <a:endParaRPr lang="en-US"/>
+          </a:p>
+        </p:txBody>
+      </p:sp>
+      <p:sp>
+        <p:nvSpPr>
+          <p:cNvPr id="11" name="Rectangle 10">
+            <a:extLst>
+              <a:ext uri="{FF2B5EF4-FFF2-40B4-BE49-F238E27FC236}">
+                <a16:creationId xmlns:a16="http://schemas.microsoft.com/office/drawing/2014/main" id="{4B2EAFC9-98FA-4937-8C54-18D6F005D03D}"/>
               </a:ext>
             </a:extLst>
           </p:cNvPr>
@@ -9589,15 +9896,18 @@
         </p:nvSpPr>
         <p:spPr>
           <a:xfrm>
-            <a:off x="6770951" y="2390778"/>
-            <a:ext cx="1630188" cy="555956"/>
+            <a:off x="5125065" y="2721076"/>
+            <a:ext cx="1887793" cy="650069"/>
           </a:xfrm>
-          <a:prstGeom prst="wedgeRectCallout">
-            <a:avLst>
-              <a:gd name="adj1" fmla="val -129438"/>
-              <a:gd name="adj2" fmla="val -7226"/>
-            </a:avLst>
+          <a:prstGeom prst="rect">
+            <a:avLst/>
           </a:prstGeom>
+          <a:noFill/>
+          <a:ln w="38100">
+            <a:solidFill>
+              <a:srgbClr val="FF0000"/>
+            </a:solidFill>
+          </a:ln>
         </p:spPr>
         <p:style>
           <a:lnRef idx="2">
@@ -9620,86 +9930,6 @@
           <a:lstStyle/>
           <a:p>
             <a:pPr algn="ctr"/>
-            <a:r>
-              <a:rPr lang="en-US" sz="1600" dirty="0"/>
-              <a:t>You must write this function</a:t>
-            </a:r>
-          </a:p>
-        </p:txBody>
-      </p:sp>
-      <p:sp>
-        <p:nvSpPr>
-          <p:cNvPr id="2" name="TextBox 1">
-            <a:extLst>
-              <a:ext uri="{FF2B5EF4-FFF2-40B4-BE49-F238E27FC236}">
-                <a16:creationId xmlns:a16="http://schemas.microsoft.com/office/drawing/2014/main" id="{7211311B-ABB5-4B08-9563-E06B19A6DAF8}"/>
-              </a:ext>
-            </a:extLst>
-          </p:cNvPr>
-          <p:cNvSpPr txBox="1"/>
-          <p:nvPr/>
-        </p:nvSpPr>
-        <p:spPr>
-          <a:xfrm>
-            <a:off x="2070202" y="5185432"/>
-            <a:ext cx="5003597" cy="923330"/>
-          </a:xfrm>
-          <a:prstGeom prst="rect">
-            <a:avLst/>
-          </a:prstGeom>
-          <a:noFill/>
-        </p:spPr>
-        <p:txBody>
-          <a:bodyPr wrap="square" rtlCol="0">
-            <a:spAutoFit/>
-          </a:bodyPr>
-          <a:lstStyle/>
-          <a:p>
-            <a:pPr algn="ctr"/>
-            <a:r>
-              <a:rPr lang="en-US" dirty="0"/>
-              <a:t>Is this area the same as the probability of a normally distributed random variable falling within the </a:t>
-            </a:r>
-            <a:r>
-              <a:rPr lang="en-US" b="1" dirty="0">
-                <a:solidFill>
-                  <a:srgbClr val="7030A0"/>
-                </a:solidFill>
-              </a:rPr>
-              <a:t>first</a:t>
-            </a:r>
-            <a:r>
-              <a:rPr lang="en-US" dirty="0"/>
-              <a:t> standard deviation away from the mean?</a:t>
-            </a:r>
-          </a:p>
-        </p:txBody>
-      </p:sp>
-      <p:sp>
-        <p:nvSpPr>
-          <p:cNvPr id="3" name="Slide Number Placeholder 2">
-            <a:extLst>
-              <a:ext uri="{FF2B5EF4-FFF2-40B4-BE49-F238E27FC236}">
-                <a16:creationId xmlns:a16="http://schemas.microsoft.com/office/drawing/2014/main" id="{F5B5B54B-B901-4CC8-B8B0-8E2FF540ED31}"/>
-              </a:ext>
-            </a:extLst>
-          </p:cNvPr>
-          <p:cNvSpPr>
-            <a:spLocks noGrp="1"/>
-          </p:cNvSpPr>
-          <p:nvPr>
-            <p:ph type="sldNum" sz="quarter" idx="12"/>
-          </p:nvPr>
-        </p:nvSpPr>
-        <p:spPr/>
-        <p:txBody>
-          <a:bodyPr/>
-          <a:lstStyle/>
-          <a:p>
-            <a:fld id="{1AF7FFAD-783D-4810-A9CB-C51F00BE5B3E}" type="slidenum">
-              <a:rPr lang="en-US" smtClean="0"/>
-              <a:t>7</a:t>
-            </a:fld>
             <a:endParaRPr lang="en-US"/>
           </a:p>
         </p:txBody>
@@ -9784,8 +10014,8 @@
         </p:nvSpPr>
         <p:spPr>
           <a:xfrm>
-            <a:off x="2019823" y="2100987"/>
-            <a:ext cx="5104353" cy="1200329"/>
+            <a:off x="2258267" y="2100987"/>
+            <a:ext cx="4627467" cy="1477328"/>
           </a:xfrm>
           <a:prstGeom prst="rect">
             <a:avLst/>
@@ -9809,7 +10039,15 @@
             </a:r>
             <a:r>
               <a:rPr lang="en-US" dirty="0"/>
-              <a:t> folder, edit the C++ console application to decrypt the file “ciphertext.txt”</a:t>
+              <a:t> folder, edit the C++ console application to decrypt the file </a:t>
+            </a:r>
+            <a:r>
+              <a:rPr lang="en-US" b="1" dirty="0">
+                <a:solidFill>
+                  <a:srgbClr val="FF0000"/>
+                </a:solidFill>
+              </a:rPr>
+              <a:t>ciphertext2.txt</a:t>
             </a:r>
           </a:p>
           <a:p>
@@ -9820,7 +10058,30 @@
             <a:pPr algn="ctr"/>
             <a:r>
               <a:rPr lang="en-US" dirty="0"/>
-              <a:t>Use the tools &amp; techniques from Session 14</a:t>
+              <a:t>To get started, execute the </a:t>
+            </a:r>
+            <a:r>
+              <a:rPr lang="en-US" b="1" dirty="0"/>
+              <a:t>CERN ROOT</a:t>
+            </a:r>
+            <a:r>
+              <a:rPr lang="en-US" dirty="0"/>
+              <a:t> code</a:t>
+            </a:r>
+          </a:p>
+          <a:p>
+            <a:pPr algn="ctr"/>
+            <a:r>
+              <a:rPr lang="en-US" dirty="0"/>
+              <a:t>from </a:t>
+            </a:r>
+            <a:r>
+              <a:rPr lang="en-US" b="1" dirty="0">
+                <a:solidFill>
+                  <a:srgbClr val="0070C0"/>
+                </a:solidFill>
+              </a:rPr>
+              <a:t>Session 14 Lab 2</a:t>
             </a:r>
           </a:p>
         </p:txBody>
@@ -10162,7 +10423,15 @@
             </a:pPr>
             <a:r>
               <a:rPr lang="en-US" sz="1200" dirty="0"/>
-              <a:t>The same process as for the +1, +2 and +3 strands is repeated for the -1, -2 and -3 strands, but now using the reverse complement sequence</a:t>
+              <a:t>The same process as for the +1, +2 and +3 strands is repeated for the -1, -2 and -3 strands, but now using the </a:t>
+            </a:r>
+            <a:r>
+              <a:rPr lang="en-US" sz="1200" i="1" dirty="0"/>
+              <a:t>reverse complement </a:t>
+            </a:r>
+            <a:r>
+              <a:rPr lang="en-US" sz="1200" dirty="0"/>
+              <a:t>sequence</a:t>
             </a:r>
           </a:p>
           <a:p>
